--- a/docs/Design review presentation.pptx
+++ b/docs/Design review presentation.pptx
@@ -14,7 +14,18 @@
     <p:sldId id="262" r:id="rId8"/>
     <p:sldId id="263" r:id="rId9"/>
     <p:sldId id="264" r:id="rId10"/>
-    <p:sldId id="265" r:id="rId11"/>
+    <p:sldId id="276" r:id="rId11"/>
+    <p:sldId id="265" r:id="rId12"/>
+    <p:sldId id="266" r:id="rId13"/>
+    <p:sldId id="267" r:id="rId14"/>
+    <p:sldId id="268" r:id="rId15"/>
+    <p:sldId id="269" r:id="rId16"/>
+    <p:sldId id="270" r:id="rId17"/>
+    <p:sldId id="271" r:id="rId18"/>
+    <p:sldId id="272" r:id="rId19"/>
+    <p:sldId id="273" r:id="rId20"/>
+    <p:sldId id="274" r:id="rId21"/>
+    <p:sldId id="275" r:id="rId22"/>
   </p:sldIdLst>
   <p:sldSz cx="9144000" cy="6858000" type="screen4x3"/>
   <p:notesSz cx="6858000" cy="9144000"/>
@@ -297,7 +308,7 @@
           <a:p>
             <a:fld id="{1BDCBD17-5CC7-4BD5-907D-58F97F74E9C6}" type="datetimeFigureOut">
               <a:rPr lang="en-US" smtClean="0"/>
-              <a:t>6/25/2013</a:t>
+              <a:t>6/29/2013</a:t>
             </a:fld>
             <a:endParaRPr lang="en-US"/>
           </a:p>
@@ -467,7 +478,7 @@
           <a:p>
             <a:fld id="{1BDCBD17-5CC7-4BD5-907D-58F97F74E9C6}" type="datetimeFigureOut">
               <a:rPr lang="en-US" smtClean="0"/>
-              <a:t>6/25/2013</a:t>
+              <a:t>6/29/2013</a:t>
             </a:fld>
             <a:endParaRPr lang="en-US"/>
           </a:p>
@@ -647,7 +658,7 @@
           <a:p>
             <a:fld id="{1BDCBD17-5CC7-4BD5-907D-58F97F74E9C6}" type="datetimeFigureOut">
               <a:rPr lang="en-US" smtClean="0"/>
-              <a:t>6/25/2013</a:t>
+              <a:t>6/29/2013</a:t>
             </a:fld>
             <a:endParaRPr lang="en-US"/>
           </a:p>
@@ -817,7 +828,7 @@
           <a:p>
             <a:fld id="{1BDCBD17-5CC7-4BD5-907D-58F97F74E9C6}" type="datetimeFigureOut">
               <a:rPr lang="en-US" smtClean="0"/>
-              <a:t>6/25/2013</a:t>
+              <a:t>6/29/2013</a:t>
             </a:fld>
             <a:endParaRPr lang="en-US"/>
           </a:p>
@@ -1063,7 +1074,7 @@
           <a:p>
             <a:fld id="{1BDCBD17-5CC7-4BD5-907D-58F97F74E9C6}" type="datetimeFigureOut">
               <a:rPr lang="en-US" smtClean="0"/>
-              <a:t>6/25/2013</a:t>
+              <a:t>6/29/2013</a:t>
             </a:fld>
             <a:endParaRPr lang="en-US"/>
           </a:p>
@@ -1351,7 +1362,7 @@
           <a:p>
             <a:fld id="{1BDCBD17-5CC7-4BD5-907D-58F97F74E9C6}" type="datetimeFigureOut">
               <a:rPr lang="en-US" smtClean="0"/>
-              <a:t>6/25/2013</a:t>
+              <a:t>6/29/2013</a:t>
             </a:fld>
             <a:endParaRPr lang="en-US"/>
           </a:p>
@@ -1773,7 +1784,7 @@
           <a:p>
             <a:fld id="{1BDCBD17-5CC7-4BD5-907D-58F97F74E9C6}" type="datetimeFigureOut">
               <a:rPr lang="en-US" smtClean="0"/>
-              <a:t>6/25/2013</a:t>
+              <a:t>6/29/2013</a:t>
             </a:fld>
             <a:endParaRPr lang="en-US"/>
           </a:p>
@@ -1891,7 +1902,7 @@
           <a:p>
             <a:fld id="{1BDCBD17-5CC7-4BD5-907D-58F97F74E9C6}" type="datetimeFigureOut">
               <a:rPr lang="en-US" smtClean="0"/>
-              <a:t>6/25/2013</a:t>
+              <a:t>6/29/2013</a:t>
             </a:fld>
             <a:endParaRPr lang="en-US"/>
           </a:p>
@@ -1986,7 +1997,7 @@
           <a:p>
             <a:fld id="{1BDCBD17-5CC7-4BD5-907D-58F97F74E9C6}" type="datetimeFigureOut">
               <a:rPr lang="en-US" smtClean="0"/>
-              <a:t>6/25/2013</a:t>
+              <a:t>6/29/2013</a:t>
             </a:fld>
             <a:endParaRPr lang="en-US"/>
           </a:p>
@@ -2263,7 +2274,7 @@
           <a:p>
             <a:fld id="{1BDCBD17-5CC7-4BD5-907D-58F97F74E9C6}" type="datetimeFigureOut">
               <a:rPr lang="en-US" smtClean="0"/>
-              <a:t>6/25/2013</a:t>
+              <a:t>6/29/2013</a:t>
             </a:fld>
             <a:endParaRPr lang="en-US"/>
           </a:p>
@@ -2516,7 +2527,7 @@
           <a:p>
             <a:fld id="{1BDCBD17-5CC7-4BD5-907D-58F97F74E9C6}" type="datetimeFigureOut">
               <a:rPr lang="en-US" smtClean="0"/>
-              <a:t>6/25/2013</a:t>
+              <a:t>6/29/2013</a:t>
             </a:fld>
             <a:endParaRPr lang="en-US"/>
           </a:p>
@@ -2729,7 +2740,7 @@
           <a:p>
             <a:fld id="{1BDCBD17-5CC7-4BD5-907D-58F97F74E9C6}" type="datetimeFigureOut">
               <a:rPr lang="en-US" smtClean="0"/>
-              <a:t>6/25/2013</a:t>
+              <a:t>6/29/2013</a:t>
             </a:fld>
             <a:endParaRPr lang="en-US"/>
           </a:p>
@@ -3197,35 +3208,1448 @@
           <a:p>
             <a:r>
               <a:rPr lang="en-US" dirty="0" smtClean="0"/>
+              <a:t>Timeline </a:t>
+            </a:r>
+            <a:endParaRPr lang="en-US" dirty="0"/>
+          </a:p>
+        </p:txBody>
+      </p:sp>
+      <p:sp>
+        <p:nvSpPr>
+          <p:cNvPr id="3" name="Content Placeholder 2"/>
+          <p:cNvSpPr>
+            <a:spLocks noGrp="1"/>
+          </p:cNvSpPr>
+          <p:nvPr>
+            <p:ph idx="1"/>
+          </p:nvPr>
+        </p:nvSpPr>
+        <p:spPr/>
+        <p:txBody>
+          <a:bodyPr/>
+          <a:lstStyle/>
+          <a:p>
+            <a:r>
+              <a:rPr lang="en-US" dirty="0" smtClean="0"/>
+              <a:t>July 4</a:t>
+            </a:r>
+            <a:r>
+              <a:rPr lang="en-US" baseline="30000" dirty="0" smtClean="0"/>
+              <a:t>th</a:t>
+            </a:r>
+            <a:r>
+              <a:rPr lang="en-US" dirty="0" smtClean="0"/>
+              <a:t> – Maps functionality complete</a:t>
+            </a:r>
+          </a:p>
+          <a:p>
+            <a:r>
+              <a:rPr lang="en-US" dirty="0" smtClean="0"/>
+              <a:t>July 11</a:t>
+            </a:r>
+            <a:r>
+              <a:rPr lang="en-US" baseline="30000" dirty="0" smtClean="0"/>
+              <a:t>th</a:t>
+            </a:r>
+            <a:r>
+              <a:rPr lang="en-US" dirty="0" smtClean="0"/>
+              <a:t> – Messaging Functionality complete</a:t>
+            </a:r>
+          </a:p>
+          <a:p>
+            <a:r>
+              <a:rPr lang="en-US" dirty="0" smtClean="0"/>
+              <a:t>July 18</a:t>
+            </a:r>
+            <a:r>
+              <a:rPr lang="en-US" baseline="30000" dirty="0" smtClean="0"/>
+              <a:t>th</a:t>
+            </a:r>
+            <a:r>
+              <a:rPr lang="en-US" dirty="0" smtClean="0"/>
+              <a:t> – ease of use testing complete</a:t>
+            </a:r>
+          </a:p>
+          <a:p>
+            <a:r>
+              <a:rPr lang="en-US" dirty="0" smtClean="0"/>
+              <a:t>July 25</a:t>
+            </a:r>
+            <a:r>
+              <a:rPr lang="en-US" baseline="30000" dirty="0" smtClean="0"/>
+              <a:t>th</a:t>
+            </a:r>
+            <a:r>
+              <a:rPr lang="en-US" dirty="0" smtClean="0"/>
+              <a:t> – UI optimized</a:t>
+            </a:r>
+          </a:p>
+          <a:p>
+            <a:r>
+              <a:rPr lang="en-US" dirty="0" smtClean="0"/>
+              <a:t>August 1</a:t>
+            </a:r>
+            <a:r>
+              <a:rPr lang="en-US" baseline="30000" dirty="0" smtClean="0"/>
+              <a:t>st</a:t>
+            </a:r>
+            <a:r>
+              <a:rPr lang="en-US" dirty="0" smtClean="0"/>
+              <a:t> – Multiple recipients complete</a:t>
+            </a:r>
+          </a:p>
+          <a:p>
+            <a:r>
+              <a:rPr lang="en-US" dirty="0" smtClean="0"/>
+              <a:t>August 8</a:t>
+            </a:r>
+            <a:r>
+              <a:rPr lang="en-US" baseline="30000" dirty="0" smtClean="0"/>
+              <a:t>th</a:t>
+            </a:r>
+            <a:r>
+              <a:rPr lang="en-US" dirty="0" smtClean="0"/>
+              <a:t> – Customizable messages and multiple travel types</a:t>
+            </a:r>
+          </a:p>
+          <a:p>
+            <a:endParaRPr lang="en-US" dirty="0"/>
+          </a:p>
+        </p:txBody>
+      </p:sp>
+    </p:spTree>
+    <p:extLst>
+      <p:ext uri="{BB962C8B-B14F-4D97-AF65-F5344CB8AC3E}">
+        <p14:creationId xmlns:p14="http://schemas.microsoft.com/office/powerpoint/2010/main" val="3250300807"/>
+      </p:ext>
+    </p:extLst>
+  </p:cSld>
+  <p:clrMapOvr>
+    <a:masterClrMapping/>
+  </p:clrMapOvr>
+</p:sld>
+</file>
+
+<file path=ppt/slides/slide11.xml><?xml version="1.0" encoding="utf-8"?>
+<p:sld xmlns:a="http://schemas.openxmlformats.org/drawingml/2006/main" xmlns:r="http://schemas.openxmlformats.org/officeDocument/2006/relationships" xmlns:p="http://schemas.openxmlformats.org/presentationml/2006/main">
+  <p:cSld>
+    <p:spTree>
+      <p:nvGrpSpPr>
+        <p:cNvPr id="1" name=""/>
+        <p:cNvGrpSpPr/>
+        <p:nvPr/>
+      </p:nvGrpSpPr>
+      <p:grpSpPr>
+        <a:xfrm>
+          <a:off x="0" y="0"/>
+          <a:ext cx="0" cy="0"/>
+          <a:chOff x="0" y="0"/>
+          <a:chExt cx="0" cy="0"/>
+        </a:xfrm>
+      </p:grpSpPr>
+      <p:sp>
+        <p:nvSpPr>
+          <p:cNvPr id="2" name="Title 1"/>
+          <p:cNvSpPr>
+            <a:spLocks noGrp="1"/>
+          </p:cNvSpPr>
+          <p:nvPr>
+            <p:ph type="title"/>
+          </p:nvPr>
+        </p:nvSpPr>
+        <p:spPr/>
+        <p:txBody>
+          <a:bodyPr/>
+          <a:lstStyle/>
+          <a:p>
+            <a:r>
+              <a:rPr lang="en-US" dirty="0" smtClean="0"/>
               <a:t>Test Plan</a:t>
             </a:r>
             <a:endParaRPr lang="en-US" dirty="0"/>
           </a:p>
         </p:txBody>
       </p:sp>
-      <p:sp>
-        <p:nvSpPr>
-          <p:cNvPr id="3" name="Content Placeholder 2"/>
-          <p:cNvSpPr>
-            <a:spLocks noGrp="1"/>
-          </p:cNvSpPr>
+      <p:graphicFrame>
+        <p:nvGraphicFramePr>
+          <p:cNvPr id="4" name="Content Placeholder 3"/>
+          <p:cNvGraphicFramePr>
+            <a:graphicFrameLocks noGrp="1"/>
+          </p:cNvGraphicFramePr>
           <p:nvPr>
             <p:ph idx="1"/>
           </p:nvPr>
-        </p:nvSpPr>
-        <p:spPr/>
-        <p:txBody>
-          <a:bodyPr/>
-          <a:lstStyle/>
-          <a:p>
-            <a:endParaRPr lang="en-US"/>
-          </a:p>
-        </p:txBody>
-      </p:sp>
+        </p:nvGraphicFramePr>
+        <p:xfrm>
+          <a:off x="1531620" y="1654905"/>
+          <a:ext cx="6080760" cy="4156964"/>
+        </p:xfrm>
+        <a:graphic>
+          <a:graphicData uri="http://schemas.openxmlformats.org/drawingml/2006/table">
+            <a:tbl>
+              <a:tblPr firstRow="1" firstCol="1" bandRow="1">
+                <a:tableStyleId>{5C22544A-7EE6-4342-B048-85BDC9FD1C3A}</a:tableStyleId>
+              </a:tblPr>
+              <a:tblGrid>
+                <a:gridCol w="1520190"/>
+                <a:gridCol w="1520190"/>
+                <a:gridCol w="1520190"/>
+                <a:gridCol w="1520190"/>
+              </a:tblGrid>
+              <a:tr h="0">
+                <a:tc>
+                  <a:txBody>
+                    <a:bodyPr/>
+                    <a:lstStyle/>
+                    <a:p>
+                      <a:pPr marL="0" marR="0" algn="just">
+                        <a:lnSpc>
+                          <a:spcPct val="115000"/>
+                        </a:lnSpc>
+                        <a:spcBef>
+                          <a:spcPts val="0"/>
+                        </a:spcBef>
+                        <a:spcAft>
+                          <a:spcPts val="0"/>
+                        </a:spcAft>
+                      </a:pPr>
+                      <a:r>
+                        <a:rPr lang="en-US" sz="1200">
+                          <a:effectLst/>
+                        </a:rPr>
+                        <a:t>Test Id</a:t>
+                      </a:r>
+                      <a:endParaRPr lang="en-US" sz="1100">
+                        <a:effectLst/>
+                        <a:latin typeface="Calibri"/>
+                        <a:ea typeface="Calibri"/>
+                        <a:cs typeface="Times New Roman"/>
+                      </a:endParaRPr>
+                    </a:p>
+                  </a:txBody>
+                  <a:tcPr marL="68580" marR="68580" marT="0" marB="0"/>
+                </a:tc>
+                <a:tc>
+                  <a:txBody>
+                    <a:bodyPr/>
+                    <a:lstStyle/>
+                    <a:p>
+                      <a:pPr marL="0" marR="0" algn="just">
+                        <a:lnSpc>
+                          <a:spcPct val="115000"/>
+                        </a:lnSpc>
+                        <a:spcBef>
+                          <a:spcPts val="0"/>
+                        </a:spcBef>
+                        <a:spcAft>
+                          <a:spcPts val="0"/>
+                        </a:spcAft>
+                      </a:pPr>
+                      <a:r>
+                        <a:rPr lang="en-US" sz="1200">
+                          <a:effectLst/>
+                        </a:rPr>
+                        <a:t>Description</a:t>
+                      </a:r>
+                      <a:endParaRPr lang="en-US" sz="1100">
+                        <a:effectLst/>
+                        <a:latin typeface="Calibri"/>
+                        <a:ea typeface="Calibri"/>
+                        <a:cs typeface="Times New Roman"/>
+                      </a:endParaRPr>
+                    </a:p>
+                  </a:txBody>
+                  <a:tcPr marL="68580" marR="68580" marT="0" marB="0"/>
+                </a:tc>
+                <a:tc>
+                  <a:txBody>
+                    <a:bodyPr/>
+                    <a:lstStyle/>
+                    <a:p>
+                      <a:pPr marL="0" marR="0" algn="just">
+                        <a:lnSpc>
+                          <a:spcPct val="115000"/>
+                        </a:lnSpc>
+                        <a:spcBef>
+                          <a:spcPts val="0"/>
+                        </a:spcBef>
+                        <a:spcAft>
+                          <a:spcPts val="0"/>
+                        </a:spcAft>
+                      </a:pPr>
+                      <a:r>
+                        <a:rPr lang="en-US" sz="1200">
+                          <a:effectLst/>
+                        </a:rPr>
+                        <a:t>Expected Results</a:t>
+                      </a:r>
+                      <a:endParaRPr lang="en-US" sz="1100">
+                        <a:effectLst/>
+                        <a:latin typeface="Calibri"/>
+                        <a:ea typeface="Calibri"/>
+                        <a:cs typeface="Times New Roman"/>
+                      </a:endParaRPr>
+                    </a:p>
+                  </a:txBody>
+                  <a:tcPr marL="68580" marR="68580" marT="0" marB="0"/>
+                </a:tc>
+                <a:tc>
+                  <a:txBody>
+                    <a:bodyPr/>
+                    <a:lstStyle/>
+                    <a:p>
+                      <a:pPr marL="0" marR="0" algn="just">
+                        <a:lnSpc>
+                          <a:spcPct val="115000"/>
+                        </a:lnSpc>
+                        <a:spcBef>
+                          <a:spcPts val="0"/>
+                        </a:spcBef>
+                        <a:spcAft>
+                          <a:spcPts val="0"/>
+                        </a:spcAft>
+                      </a:pPr>
+                      <a:r>
+                        <a:rPr lang="en-US" sz="1200">
+                          <a:effectLst/>
+                        </a:rPr>
+                        <a:t>Actual Results</a:t>
+                      </a:r>
+                      <a:endParaRPr lang="en-US" sz="1100">
+                        <a:effectLst/>
+                        <a:latin typeface="Calibri"/>
+                        <a:ea typeface="Calibri"/>
+                        <a:cs typeface="Times New Roman"/>
+                      </a:endParaRPr>
+                    </a:p>
+                  </a:txBody>
+                  <a:tcPr marL="68580" marR="68580" marT="0" marB="0"/>
+                </a:tc>
+              </a:tr>
+              <a:tr h="0">
+                <a:tc>
+                  <a:txBody>
+                    <a:bodyPr/>
+                    <a:lstStyle/>
+                    <a:p>
+                      <a:pPr marL="0" marR="0" algn="just">
+                        <a:lnSpc>
+                          <a:spcPct val="115000"/>
+                        </a:lnSpc>
+                        <a:spcBef>
+                          <a:spcPts val="0"/>
+                        </a:spcBef>
+                        <a:spcAft>
+                          <a:spcPts val="0"/>
+                        </a:spcAft>
+                      </a:pPr>
+                      <a:r>
+                        <a:rPr lang="en-US" sz="1200">
+                          <a:effectLst/>
+                        </a:rPr>
+                        <a:t>001</a:t>
+                      </a:r>
+                      <a:endParaRPr lang="en-US" sz="1100">
+                        <a:effectLst/>
+                        <a:latin typeface="Calibri"/>
+                        <a:ea typeface="Calibri"/>
+                        <a:cs typeface="Times New Roman"/>
+                      </a:endParaRPr>
+                    </a:p>
+                  </a:txBody>
+                  <a:tcPr marL="68580" marR="68580" marT="0" marB="0"/>
+                </a:tc>
+                <a:tc>
+                  <a:txBody>
+                    <a:bodyPr/>
+                    <a:lstStyle/>
+                    <a:p>
+                      <a:pPr marL="0" marR="0" algn="just">
+                        <a:lnSpc>
+                          <a:spcPct val="115000"/>
+                        </a:lnSpc>
+                        <a:spcBef>
+                          <a:spcPts val="0"/>
+                        </a:spcBef>
+                        <a:spcAft>
+                          <a:spcPts val="0"/>
+                        </a:spcAft>
+                      </a:pPr>
+                      <a:r>
+                        <a:rPr lang="en-US" sz="1200">
+                          <a:effectLst/>
+                        </a:rPr>
+                        <a:t>Precondition: contacts exist, Recipient Field is empty, A contact is selected </a:t>
+                      </a:r>
+                      <a:endParaRPr lang="en-US" sz="1100">
+                        <a:effectLst/>
+                        <a:latin typeface="Calibri"/>
+                        <a:ea typeface="Calibri"/>
+                        <a:cs typeface="Times New Roman"/>
+                      </a:endParaRPr>
+                    </a:p>
+                  </a:txBody>
+                  <a:tcPr marL="68580" marR="68580" marT="0" marB="0"/>
+                </a:tc>
+                <a:tc>
+                  <a:txBody>
+                    <a:bodyPr/>
+                    <a:lstStyle/>
+                    <a:p>
+                      <a:pPr marL="0" marR="0" algn="just">
+                        <a:lnSpc>
+                          <a:spcPct val="115000"/>
+                        </a:lnSpc>
+                        <a:spcBef>
+                          <a:spcPts val="0"/>
+                        </a:spcBef>
+                        <a:spcAft>
+                          <a:spcPts val="0"/>
+                        </a:spcAft>
+                      </a:pPr>
+                      <a:r>
+                        <a:rPr lang="en-US" sz="1200">
+                          <a:effectLst/>
+                        </a:rPr>
+                        <a:t>The contacts number populate the Recipient field</a:t>
+                      </a:r>
+                      <a:endParaRPr lang="en-US" sz="1100">
+                        <a:effectLst/>
+                        <a:latin typeface="Calibri"/>
+                        <a:ea typeface="Calibri"/>
+                        <a:cs typeface="Times New Roman"/>
+                      </a:endParaRPr>
+                    </a:p>
+                  </a:txBody>
+                  <a:tcPr marL="68580" marR="68580" marT="0" marB="0"/>
+                </a:tc>
+                <a:tc>
+                  <a:txBody>
+                    <a:bodyPr/>
+                    <a:lstStyle/>
+                    <a:p>
+                      <a:pPr marL="0" marR="0" algn="just">
+                        <a:lnSpc>
+                          <a:spcPct val="115000"/>
+                        </a:lnSpc>
+                        <a:spcBef>
+                          <a:spcPts val="0"/>
+                        </a:spcBef>
+                        <a:spcAft>
+                          <a:spcPts val="0"/>
+                        </a:spcAft>
+                      </a:pPr>
+                      <a:r>
+                        <a:rPr lang="en-US" sz="1200">
+                          <a:effectLst/>
+                        </a:rPr>
+                        <a:t> </a:t>
+                      </a:r>
+                      <a:endParaRPr lang="en-US" sz="1100">
+                        <a:effectLst/>
+                        <a:latin typeface="Calibri"/>
+                        <a:ea typeface="Calibri"/>
+                        <a:cs typeface="Times New Roman"/>
+                      </a:endParaRPr>
+                    </a:p>
+                  </a:txBody>
+                  <a:tcPr marL="68580" marR="68580" marT="0" marB="0"/>
+                </a:tc>
+              </a:tr>
+              <a:tr h="0">
+                <a:tc>
+                  <a:txBody>
+                    <a:bodyPr/>
+                    <a:lstStyle/>
+                    <a:p>
+                      <a:pPr marL="0" marR="0" algn="just">
+                        <a:lnSpc>
+                          <a:spcPct val="115000"/>
+                        </a:lnSpc>
+                        <a:spcBef>
+                          <a:spcPts val="0"/>
+                        </a:spcBef>
+                        <a:spcAft>
+                          <a:spcPts val="0"/>
+                        </a:spcAft>
+                      </a:pPr>
+                      <a:r>
+                        <a:rPr lang="en-US" sz="1200">
+                          <a:effectLst/>
+                        </a:rPr>
+                        <a:t>002</a:t>
+                      </a:r>
+                      <a:endParaRPr lang="en-US" sz="1100">
+                        <a:effectLst/>
+                        <a:latin typeface="Calibri"/>
+                        <a:ea typeface="Calibri"/>
+                        <a:cs typeface="Times New Roman"/>
+                      </a:endParaRPr>
+                    </a:p>
+                  </a:txBody>
+                  <a:tcPr marL="68580" marR="68580" marT="0" marB="0"/>
+                </a:tc>
+                <a:tc>
+                  <a:txBody>
+                    <a:bodyPr/>
+                    <a:lstStyle/>
+                    <a:p>
+                      <a:pPr marL="0" marR="0" algn="just">
+                        <a:lnSpc>
+                          <a:spcPct val="115000"/>
+                        </a:lnSpc>
+                        <a:spcBef>
+                          <a:spcPts val="0"/>
+                        </a:spcBef>
+                        <a:spcAft>
+                          <a:spcPts val="0"/>
+                        </a:spcAft>
+                      </a:pPr>
+                      <a:r>
+                        <a:rPr lang="en-US" sz="1200">
+                          <a:effectLst/>
+                        </a:rPr>
+                        <a:t>Precondtion: contacts exist, Recipient Field is empty</a:t>
+                      </a:r>
+                      <a:endParaRPr lang="en-US" sz="1100">
+                        <a:effectLst/>
+                      </a:endParaRPr>
+                    </a:p>
+                    <a:p>
+                      <a:pPr marL="0" marR="0" algn="just">
+                        <a:lnSpc>
+                          <a:spcPct val="115000"/>
+                        </a:lnSpc>
+                        <a:spcBef>
+                          <a:spcPts val="0"/>
+                        </a:spcBef>
+                        <a:spcAft>
+                          <a:spcPts val="0"/>
+                        </a:spcAft>
+                      </a:pPr>
+                      <a:r>
+                        <a:rPr lang="en-US" sz="1200">
+                          <a:effectLst/>
+                        </a:rPr>
+                        <a:t>The user attempts to enter something other than a phone number in the recipient field </a:t>
+                      </a:r>
+                      <a:endParaRPr lang="en-US" sz="1100">
+                        <a:effectLst/>
+                        <a:latin typeface="Calibri"/>
+                        <a:ea typeface="Calibri"/>
+                        <a:cs typeface="Times New Roman"/>
+                      </a:endParaRPr>
+                    </a:p>
+                  </a:txBody>
+                  <a:tcPr marL="68580" marR="68580" marT="0" marB="0"/>
+                </a:tc>
+                <a:tc>
+                  <a:txBody>
+                    <a:bodyPr/>
+                    <a:lstStyle/>
+                    <a:p>
+                      <a:pPr marL="0" marR="0" algn="just">
+                        <a:lnSpc>
+                          <a:spcPct val="115000"/>
+                        </a:lnSpc>
+                        <a:spcBef>
+                          <a:spcPts val="0"/>
+                        </a:spcBef>
+                        <a:spcAft>
+                          <a:spcPts val="0"/>
+                        </a:spcAft>
+                      </a:pPr>
+                      <a:r>
+                        <a:rPr lang="en-US" sz="1200">
+                          <a:effectLst/>
+                        </a:rPr>
+                        <a:t>Nothing is entered</a:t>
+                      </a:r>
+                      <a:endParaRPr lang="en-US" sz="1100">
+                        <a:effectLst/>
+                        <a:latin typeface="Calibri"/>
+                        <a:ea typeface="Calibri"/>
+                        <a:cs typeface="Times New Roman"/>
+                      </a:endParaRPr>
+                    </a:p>
+                  </a:txBody>
+                  <a:tcPr marL="68580" marR="68580" marT="0" marB="0"/>
+                </a:tc>
+                <a:tc>
+                  <a:txBody>
+                    <a:bodyPr/>
+                    <a:lstStyle/>
+                    <a:p>
+                      <a:pPr marL="0" marR="0" algn="just">
+                        <a:lnSpc>
+                          <a:spcPct val="115000"/>
+                        </a:lnSpc>
+                        <a:spcBef>
+                          <a:spcPts val="0"/>
+                        </a:spcBef>
+                        <a:spcAft>
+                          <a:spcPts val="0"/>
+                        </a:spcAft>
+                      </a:pPr>
+                      <a:r>
+                        <a:rPr lang="en-US" sz="1200">
+                          <a:effectLst/>
+                        </a:rPr>
+                        <a:t> </a:t>
+                      </a:r>
+                      <a:endParaRPr lang="en-US" sz="1100">
+                        <a:effectLst/>
+                        <a:latin typeface="Calibri"/>
+                        <a:ea typeface="Calibri"/>
+                        <a:cs typeface="Times New Roman"/>
+                      </a:endParaRPr>
+                    </a:p>
+                  </a:txBody>
+                  <a:tcPr marL="68580" marR="68580" marT="0" marB="0"/>
+                </a:tc>
+              </a:tr>
+              <a:tr h="0">
+                <a:tc>
+                  <a:txBody>
+                    <a:bodyPr/>
+                    <a:lstStyle/>
+                    <a:p>
+                      <a:pPr marL="0" marR="0" algn="just">
+                        <a:lnSpc>
+                          <a:spcPct val="115000"/>
+                        </a:lnSpc>
+                        <a:spcBef>
+                          <a:spcPts val="0"/>
+                        </a:spcBef>
+                        <a:spcAft>
+                          <a:spcPts val="0"/>
+                        </a:spcAft>
+                      </a:pPr>
+                      <a:r>
+                        <a:rPr lang="en-US" sz="1200">
+                          <a:effectLst/>
+                        </a:rPr>
+                        <a:t>003</a:t>
+                      </a:r>
+                      <a:endParaRPr lang="en-US" sz="1100">
+                        <a:effectLst/>
+                        <a:latin typeface="Calibri"/>
+                        <a:ea typeface="Calibri"/>
+                        <a:cs typeface="Times New Roman"/>
+                      </a:endParaRPr>
+                    </a:p>
+                  </a:txBody>
+                  <a:tcPr marL="68580" marR="68580" marT="0" marB="0"/>
+                </a:tc>
+                <a:tc>
+                  <a:txBody>
+                    <a:bodyPr/>
+                    <a:lstStyle/>
+                    <a:p>
+                      <a:pPr marL="0" marR="0" algn="just">
+                        <a:lnSpc>
+                          <a:spcPct val="115000"/>
+                        </a:lnSpc>
+                        <a:spcBef>
+                          <a:spcPts val="0"/>
+                        </a:spcBef>
+                        <a:spcAft>
+                          <a:spcPts val="0"/>
+                        </a:spcAft>
+                      </a:pPr>
+                      <a:r>
+                        <a:rPr lang="en-US" sz="1200">
+                          <a:effectLst/>
+                        </a:rPr>
+                        <a:t>Precondition: the Destination field is empty</a:t>
+                      </a:r>
+                      <a:endParaRPr lang="en-US" sz="1100">
+                        <a:effectLst/>
+                      </a:endParaRPr>
+                    </a:p>
+                    <a:p>
+                      <a:pPr marL="0" marR="0" algn="just">
+                        <a:lnSpc>
+                          <a:spcPct val="115000"/>
+                        </a:lnSpc>
+                        <a:spcBef>
+                          <a:spcPts val="0"/>
+                        </a:spcBef>
+                        <a:spcAft>
+                          <a:spcPts val="0"/>
+                        </a:spcAft>
+                      </a:pPr>
+                      <a:r>
+                        <a:rPr lang="en-US" sz="1200">
+                          <a:effectLst/>
+                        </a:rPr>
+                        <a:t>User enters address of destination into google maps</a:t>
+                      </a:r>
+                      <a:endParaRPr lang="en-US" sz="1100">
+                        <a:effectLst/>
+                        <a:latin typeface="Calibri"/>
+                        <a:ea typeface="Calibri"/>
+                        <a:cs typeface="Times New Roman"/>
+                      </a:endParaRPr>
+                    </a:p>
+                  </a:txBody>
+                  <a:tcPr marL="68580" marR="68580" marT="0" marB="0"/>
+                </a:tc>
+                <a:tc>
+                  <a:txBody>
+                    <a:bodyPr/>
+                    <a:lstStyle/>
+                    <a:p>
+                      <a:pPr marL="0" marR="0" algn="just">
+                        <a:lnSpc>
+                          <a:spcPct val="115000"/>
+                        </a:lnSpc>
+                        <a:spcBef>
+                          <a:spcPts val="0"/>
+                        </a:spcBef>
+                        <a:spcAft>
+                          <a:spcPts val="0"/>
+                        </a:spcAft>
+                      </a:pPr>
+                      <a:r>
+                        <a:rPr lang="en-US" sz="1200">
+                          <a:effectLst/>
+                        </a:rPr>
+                        <a:t>The address destination populates the destination field.</a:t>
+                      </a:r>
+                      <a:endParaRPr lang="en-US" sz="1100">
+                        <a:effectLst/>
+                        <a:latin typeface="Calibri"/>
+                        <a:ea typeface="Calibri"/>
+                        <a:cs typeface="Times New Roman"/>
+                      </a:endParaRPr>
+                    </a:p>
+                  </a:txBody>
+                  <a:tcPr marL="68580" marR="68580" marT="0" marB="0"/>
+                </a:tc>
+                <a:tc>
+                  <a:txBody>
+                    <a:bodyPr/>
+                    <a:lstStyle/>
+                    <a:p>
+                      <a:pPr marL="0" marR="0" algn="just">
+                        <a:lnSpc>
+                          <a:spcPct val="115000"/>
+                        </a:lnSpc>
+                        <a:spcBef>
+                          <a:spcPts val="0"/>
+                        </a:spcBef>
+                        <a:spcAft>
+                          <a:spcPts val="0"/>
+                        </a:spcAft>
+                      </a:pPr>
+                      <a:r>
+                        <a:rPr lang="en-US" sz="1200" dirty="0">
+                          <a:effectLst/>
+                        </a:rPr>
+                        <a:t> </a:t>
+                      </a:r>
+                      <a:endParaRPr lang="en-US" sz="1100" dirty="0">
+                        <a:effectLst/>
+                        <a:latin typeface="Calibri"/>
+                        <a:ea typeface="Calibri"/>
+                        <a:cs typeface="Times New Roman"/>
+                      </a:endParaRPr>
+                    </a:p>
+                  </a:txBody>
+                  <a:tcPr marL="68580" marR="68580" marT="0" marB="0"/>
+                </a:tc>
+              </a:tr>
+            </a:tbl>
+          </a:graphicData>
+        </a:graphic>
+      </p:graphicFrame>
     </p:spTree>
     <p:extLst>
       <p:ext uri="{BB962C8B-B14F-4D97-AF65-F5344CB8AC3E}">
         <p14:creationId xmlns:p14="http://schemas.microsoft.com/office/powerpoint/2010/main" val="2822585102"/>
+      </p:ext>
+    </p:extLst>
+  </p:cSld>
+  <p:clrMapOvr>
+    <a:masterClrMapping/>
+  </p:clrMapOvr>
+</p:sld>
+</file>
+
+<file path=ppt/slides/slide12.xml><?xml version="1.0" encoding="utf-8"?>
+<p:sld xmlns:a="http://schemas.openxmlformats.org/drawingml/2006/main" xmlns:r="http://schemas.openxmlformats.org/officeDocument/2006/relationships" xmlns:p="http://schemas.openxmlformats.org/presentationml/2006/main">
+  <p:cSld>
+    <p:spTree>
+      <p:nvGrpSpPr>
+        <p:cNvPr id="1" name=""/>
+        <p:cNvGrpSpPr/>
+        <p:nvPr/>
+      </p:nvGrpSpPr>
+      <p:grpSpPr>
+        <a:xfrm>
+          <a:off x="0" y="0"/>
+          <a:ext cx="0" cy="0"/>
+          <a:chOff x="0" y="0"/>
+          <a:chExt cx="0" cy="0"/>
+        </a:xfrm>
+      </p:grpSpPr>
+      <p:sp>
+        <p:nvSpPr>
+          <p:cNvPr id="2" name="Title 1"/>
+          <p:cNvSpPr>
+            <a:spLocks noGrp="1"/>
+          </p:cNvSpPr>
+          <p:nvPr>
+            <p:ph type="title"/>
+          </p:nvPr>
+        </p:nvSpPr>
+        <p:spPr/>
+        <p:txBody>
+          <a:bodyPr/>
+          <a:lstStyle/>
+          <a:p>
+            <a:r>
+              <a:rPr lang="en-US" dirty="0" smtClean="0"/>
+              <a:t>Google Maps API</a:t>
+            </a:r>
+            <a:endParaRPr lang="en-US" dirty="0"/>
+          </a:p>
+        </p:txBody>
+      </p:sp>
+      <p:sp>
+        <p:nvSpPr>
+          <p:cNvPr id="3" name="Content Placeholder 2"/>
+          <p:cNvSpPr>
+            <a:spLocks noGrp="1"/>
+          </p:cNvSpPr>
+          <p:nvPr>
+            <p:ph idx="1"/>
+          </p:nvPr>
+        </p:nvSpPr>
+        <p:spPr/>
+        <p:txBody>
+          <a:bodyPr/>
+          <a:lstStyle/>
+          <a:p>
+            <a:endParaRPr lang="en-US"/>
+          </a:p>
+        </p:txBody>
+      </p:sp>
+    </p:spTree>
+    <p:extLst>
+      <p:ext uri="{BB962C8B-B14F-4D97-AF65-F5344CB8AC3E}">
+        <p14:creationId xmlns:p14="http://schemas.microsoft.com/office/powerpoint/2010/main" val="1746070280"/>
+      </p:ext>
+    </p:extLst>
+  </p:cSld>
+  <p:clrMapOvr>
+    <a:masterClrMapping/>
+  </p:clrMapOvr>
+</p:sld>
+</file>
+
+<file path=ppt/slides/slide13.xml><?xml version="1.0" encoding="utf-8"?>
+<p:sld xmlns:a="http://schemas.openxmlformats.org/drawingml/2006/main" xmlns:r="http://schemas.openxmlformats.org/officeDocument/2006/relationships" xmlns:p="http://schemas.openxmlformats.org/presentationml/2006/main">
+  <p:cSld>
+    <p:spTree>
+      <p:nvGrpSpPr>
+        <p:cNvPr id="1" name=""/>
+        <p:cNvGrpSpPr/>
+        <p:nvPr/>
+      </p:nvGrpSpPr>
+      <p:grpSpPr>
+        <a:xfrm>
+          <a:off x="0" y="0"/>
+          <a:ext cx="0" cy="0"/>
+          <a:chOff x="0" y="0"/>
+          <a:chExt cx="0" cy="0"/>
+        </a:xfrm>
+      </p:grpSpPr>
+      <p:sp>
+        <p:nvSpPr>
+          <p:cNvPr id="2" name="Title 1"/>
+          <p:cNvSpPr>
+            <a:spLocks noGrp="1"/>
+          </p:cNvSpPr>
+          <p:nvPr>
+            <p:ph type="title"/>
+          </p:nvPr>
+        </p:nvSpPr>
+        <p:spPr/>
+        <p:txBody>
+          <a:bodyPr/>
+          <a:lstStyle/>
+          <a:p>
+            <a:r>
+              <a:rPr lang="en-US" dirty="0" smtClean="0"/>
+              <a:t>Google Maps API</a:t>
+            </a:r>
+            <a:endParaRPr lang="en-US" dirty="0"/>
+          </a:p>
+        </p:txBody>
+      </p:sp>
+      <p:sp>
+        <p:nvSpPr>
+          <p:cNvPr id="3" name="Content Placeholder 2"/>
+          <p:cNvSpPr>
+            <a:spLocks noGrp="1"/>
+          </p:cNvSpPr>
+          <p:nvPr>
+            <p:ph idx="1"/>
+          </p:nvPr>
+        </p:nvSpPr>
+        <p:spPr/>
+        <p:txBody>
+          <a:bodyPr/>
+          <a:lstStyle/>
+          <a:p>
+            <a:endParaRPr lang="en-US"/>
+          </a:p>
+        </p:txBody>
+      </p:sp>
+    </p:spTree>
+    <p:extLst>
+      <p:ext uri="{BB962C8B-B14F-4D97-AF65-F5344CB8AC3E}">
+        <p14:creationId xmlns:p14="http://schemas.microsoft.com/office/powerpoint/2010/main" val="3708003992"/>
+      </p:ext>
+    </p:extLst>
+  </p:cSld>
+  <p:clrMapOvr>
+    <a:masterClrMapping/>
+  </p:clrMapOvr>
+</p:sld>
+</file>
+
+<file path=ppt/slides/slide14.xml><?xml version="1.0" encoding="utf-8"?>
+<p:sld xmlns:a="http://schemas.openxmlformats.org/drawingml/2006/main" xmlns:r="http://schemas.openxmlformats.org/officeDocument/2006/relationships" xmlns:p="http://schemas.openxmlformats.org/presentationml/2006/main">
+  <p:cSld>
+    <p:spTree>
+      <p:nvGrpSpPr>
+        <p:cNvPr id="1" name=""/>
+        <p:cNvGrpSpPr/>
+        <p:nvPr/>
+      </p:nvGrpSpPr>
+      <p:grpSpPr>
+        <a:xfrm>
+          <a:off x="0" y="0"/>
+          <a:ext cx="0" cy="0"/>
+          <a:chOff x="0" y="0"/>
+          <a:chExt cx="0" cy="0"/>
+        </a:xfrm>
+      </p:grpSpPr>
+      <p:sp>
+        <p:nvSpPr>
+          <p:cNvPr id="2" name="Title 1"/>
+          <p:cNvSpPr>
+            <a:spLocks noGrp="1"/>
+          </p:cNvSpPr>
+          <p:nvPr>
+            <p:ph type="title"/>
+          </p:nvPr>
+        </p:nvSpPr>
+        <p:spPr/>
+        <p:txBody>
+          <a:bodyPr/>
+          <a:lstStyle/>
+          <a:p>
+            <a:r>
+              <a:rPr lang="en-US" dirty="0"/>
+              <a:t>Google Maps API</a:t>
+            </a:r>
+          </a:p>
+        </p:txBody>
+      </p:sp>
+      <p:sp>
+        <p:nvSpPr>
+          <p:cNvPr id="3" name="Content Placeholder 2"/>
+          <p:cNvSpPr>
+            <a:spLocks noGrp="1"/>
+          </p:cNvSpPr>
+          <p:nvPr>
+            <p:ph idx="1"/>
+          </p:nvPr>
+        </p:nvSpPr>
+        <p:spPr/>
+        <p:txBody>
+          <a:bodyPr/>
+          <a:lstStyle/>
+          <a:p>
+            <a:endParaRPr lang="en-US"/>
+          </a:p>
+        </p:txBody>
+      </p:sp>
+    </p:spTree>
+    <p:extLst>
+      <p:ext uri="{BB962C8B-B14F-4D97-AF65-F5344CB8AC3E}">
+        <p14:creationId xmlns:p14="http://schemas.microsoft.com/office/powerpoint/2010/main" val="3854035058"/>
+      </p:ext>
+    </p:extLst>
+  </p:cSld>
+  <p:clrMapOvr>
+    <a:masterClrMapping/>
+  </p:clrMapOvr>
+</p:sld>
+</file>
+
+<file path=ppt/slides/slide15.xml><?xml version="1.0" encoding="utf-8"?>
+<p:sld xmlns:a="http://schemas.openxmlformats.org/drawingml/2006/main" xmlns:r="http://schemas.openxmlformats.org/officeDocument/2006/relationships" xmlns:p="http://schemas.openxmlformats.org/presentationml/2006/main">
+  <p:cSld>
+    <p:spTree>
+      <p:nvGrpSpPr>
+        <p:cNvPr id="1" name=""/>
+        <p:cNvGrpSpPr/>
+        <p:nvPr/>
+      </p:nvGrpSpPr>
+      <p:grpSpPr>
+        <a:xfrm>
+          <a:off x="0" y="0"/>
+          <a:ext cx="0" cy="0"/>
+          <a:chOff x="0" y="0"/>
+          <a:chExt cx="0" cy="0"/>
+        </a:xfrm>
+      </p:grpSpPr>
+      <p:sp>
+        <p:nvSpPr>
+          <p:cNvPr id="2" name="Title 1"/>
+          <p:cNvSpPr>
+            <a:spLocks noGrp="1"/>
+          </p:cNvSpPr>
+          <p:nvPr>
+            <p:ph type="title"/>
+          </p:nvPr>
+        </p:nvSpPr>
+        <p:spPr/>
+        <p:txBody>
+          <a:bodyPr/>
+          <a:lstStyle/>
+          <a:p>
+            <a:r>
+              <a:rPr lang="en-US" dirty="0"/>
+              <a:t>Google Maps API</a:t>
+            </a:r>
+          </a:p>
+        </p:txBody>
+      </p:sp>
+      <p:sp>
+        <p:nvSpPr>
+          <p:cNvPr id="3" name="Content Placeholder 2"/>
+          <p:cNvSpPr>
+            <a:spLocks noGrp="1"/>
+          </p:cNvSpPr>
+          <p:nvPr>
+            <p:ph idx="1"/>
+          </p:nvPr>
+        </p:nvSpPr>
+        <p:spPr/>
+        <p:txBody>
+          <a:bodyPr/>
+          <a:lstStyle/>
+          <a:p>
+            <a:endParaRPr lang="en-US"/>
+          </a:p>
+        </p:txBody>
+      </p:sp>
+    </p:spTree>
+    <p:extLst>
+      <p:ext uri="{BB962C8B-B14F-4D97-AF65-F5344CB8AC3E}">
+        <p14:creationId xmlns:p14="http://schemas.microsoft.com/office/powerpoint/2010/main" val="1702696839"/>
+      </p:ext>
+    </p:extLst>
+  </p:cSld>
+  <p:clrMapOvr>
+    <a:masterClrMapping/>
+  </p:clrMapOvr>
+</p:sld>
+</file>
+
+<file path=ppt/slides/slide16.xml><?xml version="1.0" encoding="utf-8"?>
+<p:sld xmlns:a="http://schemas.openxmlformats.org/drawingml/2006/main" xmlns:r="http://schemas.openxmlformats.org/officeDocument/2006/relationships" xmlns:p="http://schemas.openxmlformats.org/presentationml/2006/main">
+  <p:cSld>
+    <p:spTree>
+      <p:nvGrpSpPr>
+        <p:cNvPr id="1" name=""/>
+        <p:cNvGrpSpPr/>
+        <p:nvPr/>
+      </p:nvGrpSpPr>
+      <p:grpSpPr>
+        <a:xfrm>
+          <a:off x="0" y="0"/>
+          <a:ext cx="0" cy="0"/>
+          <a:chOff x="0" y="0"/>
+          <a:chExt cx="0" cy="0"/>
+        </a:xfrm>
+      </p:grpSpPr>
+      <p:sp>
+        <p:nvSpPr>
+          <p:cNvPr id="2" name="Title 1"/>
+          <p:cNvSpPr>
+            <a:spLocks noGrp="1"/>
+          </p:cNvSpPr>
+          <p:nvPr>
+            <p:ph type="title"/>
+          </p:nvPr>
+        </p:nvSpPr>
+        <p:spPr/>
+        <p:txBody>
+          <a:bodyPr/>
+          <a:lstStyle/>
+          <a:p>
+            <a:r>
+              <a:rPr lang="en-US" dirty="0"/>
+              <a:t>Google Maps API</a:t>
+            </a:r>
+          </a:p>
+        </p:txBody>
+      </p:sp>
+      <p:sp>
+        <p:nvSpPr>
+          <p:cNvPr id="3" name="Content Placeholder 2"/>
+          <p:cNvSpPr>
+            <a:spLocks noGrp="1"/>
+          </p:cNvSpPr>
+          <p:nvPr>
+            <p:ph idx="1"/>
+          </p:nvPr>
+        </p:nvSpPr>
+        <p:spPr/>
+        <p:txBody>
+          <a:bodyPr/>
+          <a:lstStyle/>
+          <a:p>
+            <a:endParaRPr lang="en-US"/>
+          </a:p>
+        </p:txBody>
+      </p:sp>
+    </p:spTree>
+    <p:extLst>
+      <p:ext uri="{BB962C8B-B14F-4D97-AF65-F5344CB8AC3E}">
+        <p14:creationId xmlns:p14="http://schemas.microsoft.com/office/powerpoint/2010/main" val="1717448519"/>
+      </p:ext>
+    </p:extLst>
+  </p:cSld>
+  <p:clrMapOvr>
+    <a:masterClrMapping/>
+  </p:clrMapOvr>
+</p:sld>
+</file>
+
+<file path=ppt/slides/slide17.xml><?xml version="1.0" encoding="utf-8"?>
+<p:sld xmlns:a="http://schemas.openxmlformats.org/drawingml/2006/main" xmlns:r="http://schemas.openxmlformats.org/officeDocument/2006/relationships" xmlns:p="http://schemas.openxmlformats.org/presentationml/2006/main">
+  <p:cSld>
+    <p:spTree>
+      <p:nvGrpSpPr>
+        <p:cNvPr id="1" name=""/>
+        <p:cNvGrpSpPr/>
+        <p:nvPr/>
+      </p:nvGrpSpPr>
+      <p:grpSpPr>
+        <a:xfrm>
+          <a:off x="0" y="0"/>
+          <a:ext cx="0" cy="0"/>
+          <a:chOff x="0" y="0"/>
+          <a:chExt cx="0" cy="0"/>
+        </a:xfrm>
+      </p:grpSpPr>
+      <p:sp>
+        <p:nvSpPr>
+          <p:cNvPr id="2" name="Title 1"/>
+          <p:cNvSpPr>
+            <a:spLocks noGrp="1"/>
+          </p:cNvSpPr>
+          <p:nvPr>
+            <p:ph type="title"/>
+          </p:nvPr>
+        </p:nvSpPr>
+        <p:spPr/>
+        <p:txBody>
+          <a:bodyPr/>
+          <a:lstStyle/>
+          <a:p>
+            <a:r>
+              <a:rPr lang="en-US" dirty="0" smtClean="0"/>
+              <a:t>Flyweight - Design Pattern</a:t>
+            </a:r>
+            <a:endParaRPr lang="en-US" dirty="0"/>
+          </a:p>
+        </p:txBody>
+      </p:sp>
+      <p:sp>
+        <p:nvSpPr>
+          <p:cNvPr id="3" name="Content Placeholder 2"/>
+          <p:cNvSpPr>
+            <a:spLocks noGrp="1"/>
+          </p:cNvSpPr>
+          <p:nvPr>
+            <p:ph idx="1"/>
+          </p:nvPr>
+        </p:nvSpPr>
+        <p:spPr/>
+        <p:txBody>
+          <a:bodyPr>
+            <a:normAutofit lnSpcReduction="10000"/>
+          </a:bodyPr>
+          <a:lstStyle/>
+          <a:p>
+            <a:r>
+              <a:rPr lang="en-US" dirty="0" smtClean="0"/>
+              <a:t>Purpose – Structural</a:t>
+            </a:r>
+          </a:p>
+          <a:p>
+            <a:r>
+              <a:rPr lang="en-US" dirty="0" smtClean="0"/>
+              <a:t>Scope – Object </a:t>
+            </a:r>
+          </a:p>
+          <a:p>
+            <a:r>
+              <a:rPr lang="en-US" dirty="0" smtClean="0"/>
+              <a:t>Motivation</a:t>
+            </a:r>
+          </a:p>
+          <a:p>
+            <a:pPr lvl="1"/>
+            <a:r>
+              <a:rPr lang="en-US" dirty="0" smtClean="0"/>
+              <a:t>Sometimes, programs need multiple objects that have some similarities, This can cause a large memory cost</a:t>
+            </a:r>
+          </a:p>
+          <a:p>
+            <a:r>
+              <a:rPr lang="en-US" dirty="0" smtClean="0"/>
+              <a:t>Intent</a:t>
+            </a:r>
+          </a:p>
+          <a:p>
+            <a:pPr lvl="1"/>
+            <a:r>
+              <a:rPr lang="en-US" dirty="0" smtClean="0"/>
+              <a:t>Use sharing to have a large number of objects that share an internal state with the rest varying</a:t>
+            </a:r>
+            <a:endParaRPr lang="en-US" dirty="0"/>
+          </a:p>
+        </p:txBody>
+      </p:sp>
+    </p:spTree>
+    <p:extLst>
+      <p:ext uri="{BB962C8B-B14F-4D97-AF65-F5344CB8AC3E}">
+        <p14:creationId xmlns:p14="http://schemas.microsoft.com/office/powerpoint/2010/main" val="719817041"/>
+      </p:ext>
+    </p:extLst>
+  </p:cSld>
+  <p:clrMapOvr>
+    <a:masterClrMapping/>
+  </p:clrMapOvr>
+</p:sld>
+</file>
+
+<file path=ppt/slides/slide18.xml><?xml version="1.0" encoding="utf-8"?>
+<p:sld xmlns:a="http://schemas.openxmlformats.org/drawingml/2006/main" xmlns:r="http://schemas.openxmlformats.org/officeDocument/2006/relationships" xmlns:p="http://schemas.openxmlformats.org/presentationml/2006/main">
+  <p:cSld>
+    <p:spTree>
+      <p:nvGrpSpPr>
+        <p:cNvPr id="1" name=""/>
+        <p:cNvGrpSpPr/>
+        <p:nvPr/>
+      </p:nvGrpSpPr>
+      <p:grpSpPr>
+        <a:xfrm>
+          <a:off x="0" y="0"/>
+          <a:ext cx="0" cy="0"/>
+          <a:chOff x="0" y="0"/>
+          <a:chExt cx="0" cy="0"/>
+        </a:xfrm>
+      </p:grpSpPr>
+      <p:sp>
+        <p:nvSpPr>
+          <p:cNvPr id="2" name="Title 1"/>
+          <p:cNvSpPr>
+            <a:spLocks noGrp="1"/>
+          </p:cNvSpPr>
+          <p:nvPr>
+            <p:ph type="title"/>
+          </p:nvPr>
+        </p:nvSpPr>
+        <p:spPr/>
+        <p:txBody>
+          <a:bodyPr/>
+          <a:lstStyle/>
+          <a:p>
+            <a:r>
+              <a:rPr lang="en-US" dirty="0" smtClean="0"/>
+              <a:t>Flyweight - Participants</a:t>
+            </a:r>
+            <a:endParaRPr lang="en-US" dirty="0"/>
+          </a:p>
+        </p:txBody>
+      </p:sp>
+      <p:sp>
+        <p:nvSpPr>
+          <p:cNvPr id="3" name="Content Placeholder 2"/>
+          <p:cNvSpPr>
+            <a:spLocks noGrp="1"/>
+          </p:cNvSpPr>
+          <p:nvPr>
+            <p:ph idx="1"/>
+          </p:nvPr>
+        </p:nvSpPr>
+        <p:spPr/>
+        <p:txBody>
+          <a:bodyPr>
+            <a:normAutofit fontScale="85000" lnSpcReduction="20000"/>
+          </a:bodyPr>
+          <a:lstStyle/>
+          <a:p>
+            <a:r>
+              <a:rPr lang="en-US" dirty="0" smtClean="0"/>
+              <a:t>Flyweight</a:t>
+            </a:r>
+          </a:p>
+          <a:p>
+            <a:pPr lvl="1"/>
+            <a:r>
+              <a:rPr lang="en-US" dirty="0" smtClean="0"/>
+              <a:t>Declares an interface through which flyweights can receive and an extrinsic state</a:t>
+            </a:r>
+          </a:p>
+          <a:p>
+            <a:r>
+              <a:rPr lang="en-US" dirty="0" err="1" smtClean="0"/>
+              <a:t>ConcreteFlyweight</a:t>
+            </a:r>
+            <a:endParaRPr lang="en-US" dirty="0" smtClean="0"/>
+          </a:p>
+          <a:p>
+            <a:pPr lvl="1"/>
+            <a:r>
+              <a:rPr lang="en-US" dirty="0" smtClean="0"/>
+              <a:t>Implements Flyweight interface and stores shared internal state</a:t>
+            </a:r>
+          </a:p>
+          <a:p>
+            <a:r>
+              <a:rPr lang="en-US" dirty="0" err="1" smtClean="0"/>
+              <a:t>FlyweightFactory</a:t>
+            </a:r>
+            <a:endParaRPr lang="en-US" dirty="0" smtClean="0"/>
+          </a:p>
+          <a:p>
+            <a:pPr lvl="1"/>
+            <a:r>
+              <a:rPr lang="en-US" dirty="0" smtClean="0"/>
+              <a:t>Creates and manages flyweight objects </a:t>
+            </a:r>
+          </a:p>
+          <a:p>
+            <a:pPr lvl="1"/>
+            <a:r>
+              <a:rPr lang="en-US" dirty="0" smtClean="0"/>
+              <a:t>Maintains a pool of flyweights, returns an object from the pool if it is already created and adds one if it is new</a:t>
+            </a:r>
+          </a:p>
+          <a:p>
+            <a:r>
+              <a:rPr lang="en-US" dirty="0" smtClean="0"/>
+              <a:t>Client</a:t>
+            </a:r>
+          </a:p>
+          <a:p>
+            <a:pPr lvl="1"/>
+            <a:r>
+              <a:rPr lang="en-US" dirty="0" smtClean="0"/>
+              <a:t>Computes and maintains extrinsic state</a:t>
+            </a:r>
+            <a:endParaRPr lang="en-US" dirty="0"/>
+          </a:p>
+        </p:txBody>
+      </p:sp>
+    </p:spTree>
+    <p:extLst>
+      <p:ext uri="{BB962C8B-B14F-4D97-AF65-F5344CB8AC3E}">
+        <p14:creationId xmlns:p14="http://schemas.microsoft.com/office/powerpoint/2010/main" val="3398647230"/>
+      </p:ext>
+    </p:extLst>
+  </p:cSld>
+  <p:clrMapOvr>
+    <a:masterClrMapping/>
+  </p:clrMapOvr>
+</p:sld>
+</file>
+
+<file path=ppt/slides/slide19.xml><?xml version="1.0" encoding="utf-8"?>
+<p:sld xmlns:a="http://schemas.openxmlformats.org/drawingml/2006/main" xmlns:r="http://schemas.openxmlformats.org/officeDocument/2006/relationships" xmlns:p="http://schemas.openxmlformats.org/presentationml/2006/main">
+  <p:cSld>
+    <p:spTree>
+      <p:nvGrpSpPr>
+        <p:cNvPr id="1" name=""/>
+        <p:cNvGrpSpPr/>
+        <p:nvPr/>
+      </p:nvGrpSpPr>
+      <p:grpSpPr>
+        <a:xfrm>
+          <a:off x="0" y="0"/>
+          <a:ext cx="0" cy="0"/>
+          <a:chOff x="0" y="0"/>
+          <a:chExt cx="0" cy="0"/>
+        </a:xfrm>
+      </p:grpSpPr>
+      <p:sp>
+        <p:nvSpPr>
+          <p:cNvPr id="2" name="Title 1"/>
+          <p:cNvSpPr>
+            <a:spLocks noGrp="1"/>
+          </p:cNvSpPr>
+          <p:nvPr>
+            <p:ph type="title"/>
+          </p:nvPr>
+        </p:nvSpPr>
+        <p:spPr/>
+        <p:txBody>
+          <a:bodyPr/>
+          <a:lstStyle/>
+          <a:p>
+            <a:r>
+              <a:rPr lang="en-US" dirty="0" smtClean="0"/>
+              <a:t>Flyweight – Class Diagram</a:t>
+            </a:r>
+            <a:endParaRPr lang="en-US" dirty="0"/>
+          </a:p>
+        </p:txBody>
+      </p:sp>
+      <p:pic>
+        <p:nvPicPr>
+          <p:cNvPr id="4" name="Content Placeholder 3"/>
+          <p:cNvPicPr>
+            <a:picLocks noGrp="1" noChangeAspect="1"/>
+          </p:cNvPicPr>
+          <p:nvPr>
+            <p:ph idx="1"/>
+          </p:nvPr>
+        </p:nvPicPr>
+        <p:blipFill>
+          <a:blip r:embed="rId2">
+            <a:extLst>
+              <a:ext uri="{28A0092B-C50C-407E-A947-70E740481C1C}">
+                <a14:useLocalDpi xmlns:a14="http://schemas.microsoft.com/office/drawing/2010/main" val="0"/>
+              </a:ext>
+            </a:extLst>
+          </a:blip>
+          <a:stretch>
+            <a:fillRect/>
+          </a:stretch>
+        </p:blipFill>
+        <p:spPr>
+          <a:xfrm>
+            <a:off x="640588" y="1600200"/>
+            <a:ext cx="7862823" cy="4525963"/>
+          </a:xfrm>
+        </p:spPr>
+      </p:pic>
+    </p:spTree>
+    <p:extLst>
+      <p:ext uri="{BB962C8B-B14F-4D97-AF65-F5344CB8AC3E}">
+        <p14:creationId xmlns:p14="http://schemas.microsoft.com/office/powerpoint/2010/main" val="4201318299"/>
       </p:ext>
     </p:extLst>
   </p:cSld>
@@ -3375,6 +4799,206 @@
 </p:sld>
 </file>
 
+<file path=ppt/slides/slide20.xml><?xml version="1.0" encoding="utf-8"?>
+<p:sld xmlns:a="http://schemas.openxmlformats.org/drawingml/2006/main" xmlns:r="http://schemas.openxmlformats.org/officeDocument/2006/relationships" xmlns:p="http://schemas.openxmlformats.org/presentationml/2006/main">
+  <p:cSld>
+    <p:spTree>
+      <p:nvGrpSpPr>
+        <p:cNvPr id="1" name=""/>
+        <p:cNvGrpSpPr/>
+        <p:nvPr/>
+      </p:nvGrpSpPr>
+      <p:grpSpPr>
+        <a:xfrm>
+          <a:off x="0" y="0"/>
+          <a:ext cx="0" cy="0"/>
+          <a:chOff x="0" y="0"/>
+          <a:chExt cx="0" cy="0"/>
+        </a:xfrm>
+      </p:grpSpPr>
+      <p:sp>
+        <p:nvSpPr>
+          <p:cNvPr id="2" name="Title 1"/>
+          <p:cNvSpPr>
+            <a:spLocks noGrp="1"/>
+          </p:cNvSpPr>
+          <p:nvPr>
+            <p:ph type="title"/>
+          </p:nvPr>
+        </p:nvSpPr>
+        <p:spPr/>
+        <p:txBody>
+          <a:bodyPr/>
+          <a:lstStyle/>
+          <a:p>
+            <a:r>
+              <a:rPr lang="en-US" dirty="0" smtClean="0"/>
+              <a:t>Flyweight - Implementation</a:t>
+            </a:r>
+            <a:endParaRPr lang="en-US" dirty="0"/>
+          </a:p>
+        </p:txBody>
+      </p:sp>
+      <p:sp>
+        <p:nvSpPr>
+          <p:cNvPr id="3" name="Content Placeholder 2"/>
+          <p:cNvSpPr>
+            <a:spLocks noGrp="1"/>
+          </p:cNvSpPr>
+          <p:nvPr>
+            <p:ph idx="1"/>
+          </p:nvPr>
+        </p:nvSpPr>
+        <p:spPr/>
+        <p:txBody>
+          <a:bodyPr/>
+          <a:lstStyle/>
+          <a:p>
+            <a:r>
+              <a:rPr lang="en-US" dirty="0" smtClean="0"/>
+              <a:t>Client calls factory to get flyweight object</a:t>
+            </a:r>
+          </a:p>
+          <a:p>
+            <a:r>
+              <a:rPr lang="en-US" dirty="0" smtClean="0"/>
+              <a:t>Factory checks pool to determine if object exists</a:t>
+            </a:r>
+          </a:p>
+          <a:p>
+            <a:pPr lvl="1"/>
+            <a:r>
+              <a:rPr lang="en-US" dirty="0" smtClean="0"/>
+              <a:t>If so factor returns object</a:t>
+            </a:r>
+          </a:p>
+          <a:p>
+            <a:pPr lvl="1"/>
+            <a:r>
+              <a:rPr lang="en-US" dirty="0" smtClean="0"/>
+              <a:t>Otherwise factory creates object adds it to the pool and returns it</a:t>
+            </a:r>
+          </a:p>
+          <a:p>
+            <a:pPr lvl="1"/>
+            <a:r>
+              <a:rPr lang="en-US" dirty="0" smtClean="0"/>
+              <a:t>Flyweight maintains shared internal state and provides methods to manipulate varying external state </a:t>
+            </a:r>
+            <a:endParaRPr lang="en-US" dirty="0"/>
+          </a:p>
+        </p:txBody>
+      </p:sp>
+    </p:spTree>
+    <p:extLst>
+      <p:ext uri="{BB962C8B-B14F-4D97-AF65-F5344CB8AC3E}">
+        <p14:creationId xmlns:p14="http://schemas.microsoft.com/office/powerpoint/2010/main" val="1716789449"/>
+      </p:ext>
+    </p:extLst>
+  </p:cSld>
+  <p:clrMapOvr>
+    <a:masterClrMapping/>
+  </p:clrMapOvr>
+</p:sld>
+</file>
+
+<file path=ppt/slides/slide21.xml><?xml version="1.0" encoding="utf-8"?>
+<p:sld xmlns:a="http://schemas.openxmlformats.org/drawingml/2006/main" xmlns:r="http://schemas.openxmlformats.org/officeDocument/2006/relationships" xmlns:p="http://schemas.openxmlformats.org/presentationml/2006/main">
+  <p:cSld>
+    <p:spTree>
+      <p:nvGrpSpPr>
+        <p:cNvPr id="1" name=""/>
+        <p:cNvGrpSpPr/>
+        <p:nvPr/>
+      </p:nvGrpSpPr>
+      <p:grpSpPr>
+        <a:xfrm>
+          <a:off x="0" y="0"/>
+          <a:ext cx="0" cy="0"/>
+          <a:chOff x="0" y="0"/>
+          <a:chExt cx="0" cy="0"/>
+        </a:xfrm>
+      </p:grpSpPr>
+      <p:sp>
+        <p:nvSpPr>
+          <p:cNvPr id="2" name="Title 1"/>
+          <p:cNvSpPr>
+            <a:spLocks noGrp="1"/>
+          </p:cNvSpPr>
+          <p:nvPr>
+            <p:ph type="title"/>
+          </p:nvPr>
+        </p:nvSpPr>
+        <p:spPr/>
+        <p:txBody>
+          <a:bodyPr/>
+          <a:lstStyle/>
+          <a:p>
+            <a:r>
+              <a:rPr lang="en-US" dirty="0" smtClean="0"/>
+              <a:t>Flyweight - Example</a:t>
+            </a:r>
+            <a:endParaRPr lang="en-US" dirty="0"/>
+          </a:p>
+        </p:txBody>
+      </p:sp>
+      <p:sp>
+        <p:nvSpPr>
+          <p:cNvPr id="3" name="Content Placeholder 2"/>
+          <p:cNvSpPr>
+            <a:spLocks noGrp="1"/>
+          </p:cNvSpPr>
+          <p:nvPr>
+            <p:ph idx="1"/>
+          </p:nvPr>
+        </p:nvSpPr>
+        <p:spPr/>
+        <p:txBody>
+          <a:bodyPr/>
+          <a:lstStyle/>
+          <a:p>
+            <a:r>
+              <a:rPr lang="en-US" dirty="0" smtClean="0"/>
+              <a:t>Text Editor</a:t>
+            </a:r>
+          </a:p>
+          <a:p>
+            <a:pPr lvl="1"/>
+            <a:r>
+              <a:rPr lang="en-US" dirty="0" smtClean="0"/>
+              <a:t>Character Object</a:t>
+            </a:r>
+          </a:p>
+          <a:p>
+            <a:pPr lvl="2"/>
+            <a:r>
+              <a:rPr lang="en-US" dirty="0" smtClean="0"/>
+              <a:t>Letter flyweight maintains Character Type and Font</a:t>
+            </a:r>
+          </a:p>
+          <a:p>
+            <a:pPr lvl="2"/>
+            <a:r>
+              <a:rPr lang="en-US" dirty="0" smtClean="0"/>
+              <a:t>Letter Client maintains location inside document</a:t>
+            </a:r>
+            <a:endParaRPr lang="en-US" dirty="0"/>
+          </a:p>
+        </p:txBody>
+      </p:sp>
+    </p:spTree>
+    <p:extLst>
+      <p:ext uri="{BB962C8B-B14F-4D97-AF65-F5344CB8AC3E}">
+        <p14:creationId xmlns:p14="http://schemas.microsoft.com/office/powerpoint/2010/main" val="2675200223"/>
+      </p:ext>
+    </p:extLst>
+  </p:cSld>
+  <p:clrMapOvr>
+    <a:masterClrMapping/>
+  </p:clrMapOvr>
+</p:sld>
+</file>
+
 <file path=ppt/slides/slide3.xml><?xml version="1.0" encoding="utf-8"?>
 <p:sld xmlns:a="http://schemas.openxmlformats.org/drawingml/2006/main" xmlns:r="http://schemas.openxmlformats.org/officeDocument/2006/relationships" xmlns:p="http://schemas.openxmlformats.org/presentationml/2006/main">
   <p:cSld>
@@ -3451,6 +5075,114 @@
           </a:p>
         </p:txBody>
       </p:sp>
+      <p:pic>
+        <p:nvPicPr>
+          <p:cNvPr id="3074" name="Picture 2"/>
+          <p:cNvPicPr>
+            <a:picLocks noChangeAspect="1" noChangeArrowheads="1"/>
+          </p:cNvPicPr>
+          <p:nvPr/>
+        </p:nvPicPr>
+        <p:blipFill>
+          <a:blip r:embed="rId2">
+            <a:extLst>
+              <a:ext uri="{28A0092B-C50C-407E-A947-70E740481C1C}">
+                <a14:useLocalDpi xmlns:a14="http://schemas.microsoft.com/office/drawing/2010/main" val="0"/>
+              </a:ext>
+            </a:extLst>
+          </a:blip>
+          <a:srcRect/>
+          <a:stretch>
+            <a:fillRect/>
+          </a:stretch>
+        </p:blipFill>
+        <p:spPr bwMode="auto">
+          <a:xfrm>
+            <a:off x="752475" y="228600"/>
+            <a:ext cx="1390650" cy="1390650"/>
+          </a:xfrm>
+          <a:prstGeom prst="rect">
+            <a:avLst/>
+          </a:prstGeom>
+          <a:noFill/>
+          <a:ln>
+            <a:noFill/>
+          </a:ln>
+          <a:extLst>
+            <a:ext uri="{909E8E84-426E-40DD-AFC4-6F175D3DCCD1}">
+              <a14:hiddenFill xmlns:a14="http://schemas.microsoft.com/office/drawing/2010/main">
+                <a:solidFill>
+                  <a:schemeClr val="accent1"/>
+                </a:solidFill>
+              </a14:hiddenFill>
+            </a:ext>
+            <a:ext uri="{91240B29-F687-4F45-9708-019B960494DF}">
+              <a14:hiddenLine xmlns:a14="http://schemas.microsoft.com/office/drawing/2010/main" w="9525">
+                <a:solidFill>
+                  <a:schemeClr val="tx1"/>
+                </a:solidFill>
+                <a:miter lim="800000"/>
+                <a:headEnd/>
+                <a:tailEnd/>
+              </a14:hiddenLine>
+            </a:ext>
+          </a:extLst>
+        </p:spPr>
+      </p:pic>
+      <p:pic>
+        <p:nvPicPr>
+          <p:cNvPr id="3075" name="Picture 3"/>
+          <p:cNvPicPr>
+            <a:picLocks noChangeAspect="1" noChangeArrowheads="1"/>
+          </p:cNvPicPr>
+          <p:nvPr/>
+        </p:nvPicPr>
+        <p:blipFill>
+          <a:blip r:embed="rId3" cstate="print">
+            <a:extLst>
+              <a:ext uri="{28A0092B-C50C-407E-A947-70E740481C1C}">
+                <a14:useLocalDpi xmlns:a14="http://schemas.microsoft.com/office/drawing/2010/main" val="0"/>
+              </a:ext>
+            </a:extLst>
+          </a:blip>
+          <a:srcRect/>
+          <a:stretch>
+            <a:fillRect/>
+          </a:stretch>
+        </p:blipFill>
+        <p:spPr bwMode="auto">
+          <a:xfrm>
+            <a:off x="7086600" y="304800"/>
+            <a:ext cx="1390650" cy="1390650"/>
+          </a:xfrm>
+          <a:prstGeom prst="rect">
+            <a:avLst/>
+          </a:prstGeom>
+          <a:noFill/>
+          <a:ln>
+            <a:noFill/>
+          </a:ln>
+          <a:extLst>
+            <a:ext uri="{909E8E84-426E-40DD-AFC4-6F175D3DCCD1}">
+              <a14:hiddenFill xmlns:a14="http://schemas.microsoft.com/office/drawing/2010/main">
+                <a:solidFill>
+                  <a:schemeClr val="accent1"/>
+                </a:solidFill>
+              </a14:hiddenFill>
+            </a:ext>
+            <a:ext uri="{91240B29-F687-4F45-9708-019B960494DF}">
+              <a14:hiddenLine xmlns:a14="http://schemas.microsoft.com/office/drawing/2010/main" w="9525">
+                <a:solidFill>
+                  <a:schemeClr val="tx1"/>
+                </a:solidFill>
+                <a:miter lim="800000"/>
+                <a:headEnd/>
+                <a:tailEnd/>
+              </a14:hiddenLine>
+            </a:ext>
+          </a:extLst>
+        </p:spPr>
+      </p:pic>
     </p:spTree>
     <p:extLst>
       <p:ext uri="{BB962C8B-B14F-4D97-AF65-F5344CB8AC3E}">
@@ -3715,6 +5447,153 @@
           </a:p>
         </p:txBody>
       </p:sp>
+      <p:sp>
+        <p:nvSpPr>
+          <p:cNvPr id="2" name="AutoShape 2" descr="data:image/jpeg;base64,/9j/4AAQSkZJRgABAQAAAQABAAD/2wCEAAkGBhQQEBQUDxQWFBQUFBAVFRUVFxQVFBQQFBQVFRQUFBQXHCYeFxkjGRQWHy8gJCcpLC0sFR4xNTAqNSYrLCkBCQoKDgwOGA8PGiocHx4vLDMpKiwsLCwsLC8sLCkpKSkpKSksKiwsLCkpKSkpKSksLCksNCwpKSkpKSkpLCwsKv/AABEIAKEA8AMBIgACEQEDEQH/xAAcAAAABwEBAAAAAAAAAAAAAAAAAQIDBAUHBgj/xABDEAACAQMABwYDBgEKBgMAAAABAgMABBEFBhIhMWFxBxNBUYGhIpGxFDJCUnKCwSMzQ1NikrLC0eEVJHODovAWFzT/xAAZAQEBAAMBAAAAAAAAAAAAAAAAAQMEBQL/xAAoEQACAwABAwMDBQEAAAAAAAAAAQIDERIEITETImFBUZEjMkJScRT/2gAMAwEAAhEDEQA/AK5Lfl708lvyPzqUlvyNSEt+Rrf008IiW/L3p5Lbl71LS35Gnlt+RqaXCGtvy96dW35e9TVt+Rp1bfka86XCEtvy96cW35e9TVt+VOC35VNLhBFvy96WLfl71OFvypYt+VTS4QBb8velC35e9Txb0oW9NGEAW/L3ofZ+XvViLflXEa16/iFzDZgSSjczneiHxAH4mHyHOi19kR4u7On+z8qbUoTgMpPkHUn5ZrIbx57k5uZnfkTlR0XgPQUydErz9q2F002az6qtG0G25GiNvyrJdH6WurQ5glYqP6NjtIR5bJ3fLFaNqlrfHfDYI7udR8UedzDxZCd5HLiOdYpwlDyZoWRn+1ln9n5URt+VWXccqI29eNMmFYbfl70g2/KrQ29IMHKmjCrNvy96Q1vyq0a35Ug2/KrpMKprfl7001ty96tmt+VNNByq6TCpa25e9Mtb8verdrflTTW/Krowp3t+XvTD2/L3q5e35GmHt+Rr1pMJaQcjT6W/I1JSDkafSDrWPT1hGSDkaeWDkakpB1p5YetTS4RVt+tPLBUlYetOLD1rzpcIogpwQ1KENLENTS4RRDShDUsRUoRU0uEQQ0oQ1LEVZn2g9oG9rSxb4t6yzA7lHiiH6n0FEnJ4iNqK1jevmvO9rWxb4t4llB3KPFEI8fM+grh7a1CDA4+J8TSbeIIMDj4nzNLM1dWmlVrX5ORfc7Xi8DtFtVHMtJ72s/I1+BLpl4mDCSIlJEIKsNxyOdIWanVmqNKSxljyg9RqGpGua3y93LhLlB8S8BIB+NB5+YrqzDWAOGDLJExSRCCrA4ORw31rWoevS3691NhLlBvXgJAPxpz8xXKuqdb+DsU3KxfJ0ZhpJhqeYqSYqwaZ8K8w0gw1YGGkGKrpMK8wU00FWRhptoaukwrGgpl4OVWrQ000PWrpMKl4OtMPByNW7wdaYeDrXrSYSkh60+kPWnki608kXWsenvBhIetPLF1p9YutOLH1qaUYWLrTgi60+I+tLCdamlGBFShHT4TrSglTS4MiOjEdPhKzDtV17aNjZWjYkI/l5Ad6KR/NqfAkbyfAEDxqpOTxEbUVrIvaL2i5LWlg2/es0ynh4FEP1PoKzqGIIMD1PnRQxBRgep86UTXVppVa+Tk3XOx59Ay1JNFmjrMYROKGKXihimDRGKUDUiw0dJcNs28byt5RqWx+ojcvUkVdyalPCVF5IsUj42LeP/mLtyeAESHZXqzY61ildCHlmaFM5+Ec8GojtBlkiYrIhBVlODkcN4ro9ZtWo7KJVmH/ADEoysRfbMMP55CMKZCdwAGBv44zXOKaQmrk+3YTg6Wsfc2Ls/1+W/XuZ8JdIN44CUDiyc/MeortDHXmc7SsskTFJEIKsDggjhvrcOzfXb/iUBWXAuIcCUDdtqdwkA5ncR4HqK591TrfwdCm1WL5OmMdJMVSylJKVg0z4QzHSDDU0pSDH1q6TCC0NNND1qwaOm2j61dIVzw9aZeHrVk0XWmni61dJg8kXWnlj60tU6/L/anVTr/76V509YNqnWnFTrTip1pYXrXnS4NhOtKCU4FpYWhRsJSglObNGFqAhaTvBBBLM3CKOSQ8wilseuMV5iFw0zvNIcvK7Mx5k5Pv9K9E9oSn/hV5s8e4f5bs+2a862n3V6Vu9Gtk2afWSaikLosU6U/9FWOrugmvXKo6oR4MV7xv0xFgT8xW/OcYLZHPrhKbyJUhafs7N5m2IUeR/wAsas7fJQceuK1nRPZjbxbJmgnuW8RI8McY/wC2j7/UmuuhBt4yI7eKCJQP6SONN3nsrj51pz6xfwX5N2HR/wB3+DKNEdkl5Ngz7Fsv9s95Lj/pocA9Wrq4ez3R1ggkvGMx8DMfhZvKO3j+8eXxmrW41omY7McSJlC3eEs2BtbPwxsq5zvwTgfCdxHGnsNWpL9+9kdu7O4zN8TyL4rDuxs8wAg8AeFak7pz8s24Uwh4Q2+stzeN9m0RELeMfekwqlFP4jsjZizy2nPhiriw0HbaHt5LmYmSUKTLO++RyfwJknZycDGcnxNdPo/RUdvGI4FCKMnA4ljxZid7MfM76yTtO1m+1T/Z4jmGBjtEcHuBuJ6Jw6k+VSqt2SUUW2xVxcmcZpnSkl3PJNMfjc5x4KvBUHIDdUMCpDRUgx121DisRxHZyesbFW2pGljZ6Ut5AcJI4hk8ikhCb+hKn9tVuxTLA7cWz97vU2f1bQx74rFfHYPTLRLLFh6mKUkpT5X6n60RWuKdoj7FJKVIK0kpQhGKdaQydalFaQVqgiNH1ppk61NKU2ydaukwWq04q0pRzpwDnUKJC0sLSh1pQFQokClAUoCjxQCdmjxSgKPFQETSVgJ4ZIn+7JG8Z6OpU/WvKtxFJbSvBIMPE7IwPmpx8vH1r1tisq7X+zhrjN5aLmVR/KoOMiLwcDxYDj5jpWamzgzFbWpoyOO/HitW2h54GcGYEgHcCMr1Nc0jfOpNvLg10/Uco4cx1qEtRsGiNIooH2a7lhPgjZliJ44McmcZO74WFdDYaQjmt47i4kDMYxIfyxnGWEcY4EEEZ3sfOsl0Tf8ADliu01Oi7+KGEcFlmUj+xC7P8vuj91c62HE6Vc+R2GjNCrOe/lIMbhCkeQcqoOyZWHHLMx2Ru3784xVroZQIyuR/Jyzp4cBIzKN3D4WG6uJ0PrF3E8gxtWe3stKCNmOYk7ToPGLO5mG4Mcj8VdP9uSA3TysFjQpMSeAR4VyR6xtjz9awGYr+0fWoWVtsRMO/m2lj370X8cvoDu5kViKsAMZp7WTT731y8z7trci/kiH3F6+J5k1VE11+mh6UdflnI6mz1JYvCJxuVHjTT3qczUJmppjWZ2swqpEqS/HgKuezzRLX2k7dcfBE4mk8gsZDDPVgo9a5yC3eWRY4VLyOQFVRkknwr0X2aahDRdue8wbiXZMrDgoHCNT5DPqfStHqL3mab9FCT3DriKLFOYosVzzeG8UkincUWKAZIpJWniKIrVBHZaQy1IIpDDnQgpetLHWgOtLHWhQgKUKMUYqAAFGBQo6FCo6FCgBQoxQxUBkHap2V7W1d2C/HvaaFR97zdB5+YrHUb517BxWRdqfZXt7V5YL8e9pYVH3vN0Hn5jxrZpt49ma9tXJajL9H3ODXT6IvpR3sYOxG/wB5lJDsjhTJGp/CCVG0eOBjzrjLWXf5edWz6RJTYXdnifEjyrelV6mM0o3enqZbae1qyhgt/hTGy7LuBXGO7TyXwPn0qpm1jne3Fu75iHdjfnaKRlzHGx8VUyMR0UcAKiiKh3VZv+eOLt4MD6iWvv5IxpJqUYqada9uJ4UkRmNFb2zzSLHCpeRyAqqMkk07FbvNIsUKl5HIVVUZJJrf+zfs2TRsfeTYe6cfE3ERg/gT+J8a0breHZG9TXy7sLs27NU0bH3s2HunHxNxEYP4E/ifGu5o8UK5ze+ToJYFQo6FCiaLFKoUAgiiNLojQg2aSRThpJ60AAedKB50AeYpQPOgBmjzQzRihQUdChUAKOio6AFCjxQxQBUMUdHQGQ9qXZbt7V5YL8e9poVH3/EvGPzeY8eIrIYbivXZFZlr/wBjyXjNPYlYpzkuh3RSHz3D4G54weXGtqm9w7M1rqFPuvJjSzUrvaXpXVm8s2xc28if2tnaQ9HXKkdDVYs5JwASfLG/5V0l1Ca8nNfTtMmtPTUMbzSLFCpeRyFVVGSSfIVcaB1Cvr4juYGRD/Sygxxj1YZPRQTW36hdmsOi12ie9uGGGlIxgHisY/COfE+1a13VdsRsU9L9WRuzjs3TRsfeS4e6cfE3ERg/gT+J8eldzR4o65rbb1nSSSWITQo8UMVChUKGKFAFRUZoUAVFR0KoEk0k9aXRGhAgeYqBpbT0VqoMrbz91VGWboP4ndUx5AoJJGACT0AyaymSR766/tSuAueCp4DoF3/OhTqX7SVzugYjm6g/IA/WrrQetUV2dlco+M7DYyR4lSNxqHHqFbBNk7RbH39og58wOHpXCWzGC5XZO+OUDPnhtk/MUBpWn9ZEswm2rOXLYC43AYyTk86p27R4tnIictk/DlQMee1VV2h3G1cov5Y/diT/AAqw1W1Qhkt1knUu0mSBkgKud3DG/wAaAdtu0eMtiSJ0H5gQ+Oo3H5ZrrYJ1dQyEMrAEEbwQeBFZprpoiK2mQQjZDIWIyTghsDGfP+FdbqGx+wpn80oH6ds/70BTaw9rcFncyQNFI7RkBmUoBtEA4GTndkVXXnbjArYiglkGBkkqm8jJAG87uGazHSbG90jJsnJnuXVT+uTYT2xW0WvZPo9ECtEXYDBdncMx8TgEAfKt6ddNaXJPWaMbLbHLjmIg6K7ZrSUN3yvAQCcNhw2PBSv4uRAqvm7dYgx2LWRl8CXRSfQA4+dZfp2wWK7mhhyVSZ0TO8kBsAE+1bLoPsjs44UFxGZZCoLszOBtEbwoUjAHCrZXTWk3vckLLrG0s7EPRnbbbSOFmikhBONvKuo5tjBA54Ndlp7WBLS0e5b40VVICkfHtEBcHhvyN9Yd2l6Ahsr3u7YFUMaOVJJ2WJO4E78bqv8AWHSDLq3ZIx+KVlG/j3cZdh6YCVJUQfBx8M9Rumual5R2mp/aPHpKZ4UgdNmMuSxVlIDKuN36vaulv3it4pJmRcRo7sQq52UUscc91Zp2FWP/AOqYj+piB6Bnb/Enyrre1G97rRVx5uEjH73APtmsFlaVvCPwZa5t1c5Ffqx2rR31ykCW8iF9r4iyEDZUneBv8Kt9O66razGLui5CqSQwUDazu4eX1rNexSy276ST+rhb+87BfpmrPWafvbyYjf8AHsj9oCinUQjCfGJennKcOUjUtGXvfwpJsldtQ2CckZ51A1j1kFkEJQuXLAAELgADJOetWVhB3cSL+VFX5ACuC7RrjNwifljz6s3+grXM512run/tkbOEKBW2d5DZ3A5B9aVrDp0WcQdlL5YKFBA3kE8egNQ9RrfYskP5y7/MnHsKpe0q53wp/wBRz7KP81UF/q3rML3vMRlNjY4sGztbXkOXvUDSOv8AFE7IsbuUYqT8KrkHBxk59qLs6ttm1ZvzysfRQqj6GpbalWpYsyMSxZjl24sSTwPmaAq07SkzvhcDkyk/Ld9a6XRWmI7pNuE5HAgjDKfIiuT1v1bt4LfvIV2WDINzEggnfkEmo3Z/MUa4b8KxAnqCSPbNAXE/aBGspjETth9jIK7znZyB1rqayPQMXfXcQO/alDH0JY1rlAczpfXmO3leMxsxTiQVAzjPjXQQTbaK2MbSq2DxGRnB576ya8P2i6bH9LMQOjPsj2rXQMDHlQFTrNOUs5yMZ7sr/ewv+auM1Dg2rwE/gR29dyj613WlbHv4JI9w21IB8m4qfmBWZ2V5LZT5xsuuVZW4EHiOY5igNYnmCKzHACgk9AM1lGhojPdxjjtyhj0ztGp2mNcprhDHsrGrcQuSzcsnwq71J1fMWbiYbJ2TsKeIXiWI8N1Ac3rbcd5eTEeDbI/aAPrWn6Mt+7hjT8qIPkBWU2aGe7TP9JMCfV9r6VrwoDM9e7navGHgiIvttH/FXVWsv2TRO3wMds8v7ijOPciuD0u5nupcb+8lZR6tsL/Cuv7UrkQ6JlUfj7qIdC65/wDFTXqC5SSPM3kWzJuzOx73SlsDv2GMh/7ak5+eK9DXE2wjMeCgn5DNYx2I2O1eTSEfzcOAfJpGA+itWm693vc6NuX8e6ZR+p/hHua2uq91qj/hq9L7atMI1ci+1aShB397cBz0Llz7V6WrA+yCy7zSaN4RRyP642R9a3l3Cgk8AMnoN5p1j96X2Q6Rexv7s88dpt73ulLgjfsFYx+xQMfPNXPamO5h0dbf1VvtH9R2U/yH51zNqpvNJLnf310CeYaTaPsK0ftm1aeVIrmFSwiVkkA3kITlWx5A5B6itltQlXFmuk5RskvqW3Y1Z7GjQ3jLLK/oCEHstV3bje7NrBF4yTFj+mND/F1rkNUO1KWwgEHdLKilip2ipXaOSNwORnNVeuuur6TeNnQRiJXVVBLffIJJz4/CB6VjjRP1uT8ae5Xw9HivOHe9iVrsW11MfF1XPKNCx939qr9Ep393Hn8coY9C20faus7MtGbOh414GYTOf3sQPYCuQheSzuASMSRNwbgcbvUEePOtO57ZJm5THjWkbJWTa33O3eTEfhIUftGPrmrWftGmKkLGin82WOOeDXLShj8bZ+MkhjwZs7yD476xGU2HRNt3cESfljQfICs919udq8I8ERF9Tlj/AIqkr2iTBAO7j2gMbXxcfPFU2jbCS+uMHLF22pH8FU/eOfA43AUB1y6U+waMh2QO8dRsg8Np8yFj0B+lc7o6wutIsx7w4UjaZ2YKCd+Aq8v4Vedotme7gZR8Ee2pxwXaCbJPkMKRVPqzrb9kjZDHthm2sg4OSAMc+FARNP6vPabHeSK23tYC7W7Z8TnqKsdBju9G3cn5yEHTAH+aq7WXWD7ZIrbOwEUgAkHeTkn2FdXojQ/eaK7sbmkVmH6i2V+goCg1Bg2rzP5Ec+pwo/jWg6TuO7hkf8qOfUKce+Ky3RWk5LGcnZ+IAqyNkbs/6+NWul9eXniaLulQOME7RJxkcN1AV2qVvt3kI8mLn9qk/XFarms97PLfNw7/AJI8ert/oprQD6UA2PSmbrR8c387Gj4/MAaWOgpY6CqQj2uhoIjmOKNT5hRn51NIzxxSBShUBEt9CQRsGSGNWHAhQCOhqfSRR0KQU0DbqwYQxhgdoHZGQ3HPWntIaMiuE2LiNJEyDsuAwyOBwakUdNBD0ZoWC2BFtEkQbBbYULkjhnHHj709e2KToY5kWRG4qwypwc7waeoU36kxeCDozQFvbEm3hjiLAAlFCkgeBxU5lBBB3g7j0NHQo+4SwqbPVKzhkEkVtCjrvDKihgfMGqfT/abaWdw0EwlLKF2iiKyjaGcb2B4Hyrrq5bT3ZtZ3sjSyo6yNjadHKliAACVOV4AeFZIOLf6mniakl7MOXudctBykvJbBm524yffFZzpeYX16fscIjWRkjhiUAbgAq5A3ZPE9eVar/wDSdnn+cnx5bSfXYrotXdRbSwO1bx/ymCO8cl3weIBO5fQCtqN1dfeOt/Jqypss7SxL4LXQ+jxb28UI4RxomfPZUAn1OT60u70dFL/Oxo/6lBqRQrRN4rhq5bDhBF/dFS5bNGXYZFK/lIBHyp6hUBW//G7b+oi/uCptvarGMRqqjyUAD2pyhVAGUEYO8eIPCq2TVu2Y5MEef0irKhQEBtA25ABhjwBgfCNw8qRpbS8dlGpcHZyEVUA8vAEgYAFWJNQdK6IiuVCzLkA5GCVIOMZBFAUFzrZYzfzsZb9UQJ+YJrndYtKW0iqlpEEwcs2wFJ3YAHjjfmulfs9tzwaUfuU/VaetdRraM5IaTk7ZX1UAA+tAMag6PMcDSMN8rArn+rUYB9SSa6YnpRYxwA/2pJqkIYp1aFCqQcWl0KFQooUoUKFQCqOhQoAxR0KFQoKFChQAoUKFAHRUKFUAoUVCoBVFQoUAKFChQBUVChVIJNEKOhQCGojRUKoEGkNQoUB//9k="/>
+          <p:cNvSpPr>
+            <a:spLocks noChangeAspect="1" noChangeArrowheads="1"/>
+          </p:cNvSpPr>
+          <p:nvPr/>
+        </p:nvSpPr>
+        <p:spPr bwMode="auto">
+          <a:xfrm>
+            <a:off x="155575" y="-144463"/>
+            <a:ext cx="304800" cy="304801"/>
+          </a:xfrm>
+          <a:prstGeom prst="rect">
+            <a:avLst/>
+          </a:prstGeom>
+          <a:noFill/>
+          <a:extLst>
+            <a:ext uri="{909E8E84-426E-40DD-AFC4-6F175D3DCCD1}">
+              <a14:hiddenFill xmlns:a14="http://schemas.microsoft.com/office/drawing/2010/main">
+                <a:solidFill>
+                  <a:srgbClr val="FFFFFF"/>
+                </a:solidFill>
+              </a14:hiddenFill>
+            </a:ext>
+          </a:extLst>
+        </p:spPr>
+        <p:txBody>
+          <a:bodyPr vert="horz" wrap="square" lIns="91440" tIns="45720" rIns="91440" bIns="45720" numCol="1" anchor="t" anchorCtr="0" compatLnSpc="1">
+            <a:prstTxWarp prst="textNoShape">
+              <a:avLst/>
+            </a:prstTxWarp>
+          </a:bodyPr>
+          <a:lstStyle/>
+          <a:p>
+            <a:endParaRPr lang="en-US"/>
+          </a:p>
+        </p:txBody>
+      </p:sp>
+      <p:pic>
+        <p:nvPicPr>
+          <p:cNvPr id="2051" name="Picture 3"/>
+          <p:cNvPicPr>
+            <a:picLocks noChangeAspect="1" noChangeArrowheads="1"/>
+          </p:cNvPicPr>
+          <p:nvPr/>
+        </p:nvPicPr>
+        <p:blipFill>
+          <a:blip r:embed="rId2">
+            <a:extLst>
+              <a:ext uri="{28A0092B-C50C-407E-A947-70E740481C1C}">
+                <a14:useLocalDpi xmlns:a14="http://schemas.microsoft.com/office/drawing/2010/main" val="0"/>
+              </a:ext>
+            </a:extLst>
+          </a:blip>
+          <a:srcRect/>
+          <a:stretch>
+            <a:fillRect/>
+          </a:stretch>
+        </p:blipFill>
+        <p:spPr bwMode="auto">
+          <a:xfrm>
+            <a:off x="1371600" y="5410200"/>
+            <a:ext cx="1905000" cy="1277938"/>
+          </a:xfrm>
+          <a:prstGeom prst="rect">
+            <a:avLst/>
+          </a:prstGeom>
+          <a:noFill/>
+          <a:ln>
+            <a:noFill/>
+          </a:ln>
+          <a:extLst>
+            <a:ext uri="{909E8E84-426E-40DD-AFC4-6F175D3DCCD1}">
+              <a14:hiddenFill xmlns:a14="http://schemas.microsoft.com/office/drawing/2010/main">
+                <a:solidFill>
+                  <a:schemeClr val="accent1"/>
+                </a:solidFill>
+              </a14:hiddenFill>
+            </a:ext>
+            <a:ext uri="{91240B29-F687-4F45-9708-019B960494DF}">
+              <a14:hiddenLine xmlns:a14="http://schemas.microsoft.com/office/drawing/2010/main" w="9525">
+                <a:solidFill>
+                  <a:schemeClr val="tx1"/>
+                </a:solidFill>
+                <a:miter lim="800000"/>
+                <a:headEnd/>
+                <a:tailEnd/>
+              </a14:hiddenLine>
+            </a:ext>
+          </a:extLst>
+        </p:spPr>
+      </p:pic>
+      <p:pic>
+        <p:nvPicPr>
+          <p:cNvPr id="2052" name="Picture 4"/>
+          <p:cNvPicPr>
+            <a:picLocks noChangeAspect="1" noChangeArrowheads="1"/>
+          </p:cNvPicPr>
+          <p:nvPr/>
+        </p:nvPicPr>
+        <p:blipFill>
+          <a:blip r:embed="rId3">
+            <a:extLst>
+              <a:ext uri="{28A0092B-C50C-407E-A947-70E740481C1C}">
+                <a14:useLocalDpi xmlns:a14="http://schemas.microsoft.com/office/drawing/2010/main" val="0"/>
+              </a:ext>
+            </a:extLst>
+          </a:blip>
+          <a:srcRect/>
+          <a:stretch>
+            <a:fillRect/>
+          </a:stretch>
+        </p:blipFill>
+        <p:spPr bwMode="auto">
+          <a:xfrm>
+            <a:off x="6096000" y="5410200"/>
+            <a:ext cx="1181100" cy="1181100"/>
+          </a:xfrm>
+          <a:prstGeom prst="rect">
+            <a:avLst/>
+          </a:prstGeom>
+          <a:noFill/>
+          <a:ln>
+            <a:noFill/>
+          </a:ln>
+          <a:extLst>
+            <a:ext uri="{909E8E84-426E-40DD-AFC4-6F175D3DCCD1}">
+              <a14:hiddenFill xmlns:a14="http://schemas.microsoft.com/office/drawing/2010/main">
+                <a:solidFill>
+                  <a:schemeClr val="accent1"/>
+                </a:solidFill>
+              </a14:hiddenFill>
+            </a:ext>
+            <a:ext uri="{91240B29-F687-4F45-9708-019B960494DF}">
+              <a14:hiddenLine xmlns:a14="http://schemas.microsoft.com/office/drawing/2010/main" w="9525">
+                <a:solidFill>
+                  <a:schemeClr val="tx1"/>
+                </a:solidFill>
+                <a:miter lim="800000"/>
+                <a:headEnd/>
+                <a:tailEnd/>
+              </a14:hiddenLine>
+            </a:ext>
+          </a:extLst>
+        </p:spPr>
+      </p:pic>
     </p:spTree>
     <p:extLst>
       <p:ext uri="{BB962C8B-B14F-4D97-AF65-F5344CB8AC3E}">
@@ -3825,6 +5704,114 @@
           </a:p>
         </p:txBody>
       </p:sp>
+      <p:pic>
+        <p:nvPicPr>
+          <p:cNvPr id="4098" name="Picture 2"/>
+          <p:cNvPicPr>
+            <a:picLocks noChangeAspect="1" noChangeArrowheads="1"/>
+          </p:cNvPicPr>
+          <p:nvPr/>
+        </p:nvPicPr>
+        <p:blipFill>
+          <a:blip r:embed="rId2">
+            <a:extLst>
+              <a:ext uri="{28A0092B-C50C-407E-A947-70E740481C1C}">
+                <a14:useLocalDpi xmlns:a14="http://schemas.microsoft.com/office/drawing/2010/main" val="0"/>
+              </a:ext>
+            </a:extLst>
+          </a:blip>
+          <a:srcRect/>
+          <a:stretch>
+            <a:fillRect/>
+          </a:stretch>
+        </p:blipFill>
+        <p:spPr bwMode="auto">
+          <a:xfrm>
+            <a:off x="7696200" y="533400"/>
+            <a:ext cx="1054976" cy="838200"/>
+          </a:xfrm>
+          <a:prstGeom prst="rect">
+            <a:avLst/>
+          </a:prstGeom>
+          <a:noFill/>
+          <a:ln>
+            <a:noFill/>
+          </a:ln>
+          <a:extLst>
+            <a:ext uri="{909E8E84-426E-40DD-AFC4-6F175D3DCCD1}">
+              <a14:hiddenFill xmlns:a14="http://schemas.microsoft.com/office/drawing/2010/main">
+                <a:solidFill>
+                  <a:schemeClr val="accent1"/>
+                </a:solidFill>
+              </a14:hiddenFill>
+            </a:ext>
+            <a:ext uri="{91240B29-F687-4F45-9708-019B960494DF}">
+              <a14:hiddenLine xmlns:a14="http://schemas.microsoft.com/office/drawing/2010/main" w="9525">
+                <a:solidFill>
+                  <a:schemeClr val="tx1"/>
+                </a:solidFill>
+                <a:miter lim="800000"/>
+                <a:headEnd/>
+                <a:tailEnd/>
+              </a14:hiddenLine>
+            </a:ext>
+          </a:extLst>
+        </p:spPr>
+      </p:pic>
+      <p:pic>
+        <p:nvPicPr>
+          <p:cNvPr id="4099" name="Picture 3"/>
+          <p:cNvPicPr>
+            <a:picLocks noChangeAspect="1" noChangeArrowheads="1"/>
+          </p:cNvPicPr>
+          <p:nvPr/>
+        </p:nvPicPr>
+        <p:blipFill>
+          <a:blip r:embed="rId3">
+            <a:extLst>
+              <a:ext uri="{28A0092B-C50C-407E-A947-70E740481C1C}">
+                <a14:useLocalDpi xmlns:a14="http://schemas.microsoft.com/office/drawing/2010/main" val="0"/>
+              </a:ext>
+            </a:extLst>
+          </a:blip>
+          <a:srcRect/>
+          <a:stretch>
+            <a:fillRect/>
+          </a:stretch>
+        </p:blipFill>
+        <p:spPr bwMode="auto">
+          <a:xfrm>
+            <a:off x="6893719" y="5105400"/>
+            <a:ext cx="1604962" cy="1368164"/>
+          </a:xfrm>
+          <a:prstGeom prst="rect">
+            <a:avLst/>
+          </a:prstGeom>
+          <a:noFill/>
+          <a:ln>
+            <a:noFill/>
+          </a:ln>
+          <a:extLst>
+            <a:ext uri="{909E8E84-426E-40DD-AFC4-6F175D3DCCD1}">
+              <a14:hiddenFill xmlns:a14="http://schemas.microsoft.com/office/drawing/2010/main">
+                <a:solidFill>
+                  <a:schemeClr val="accent1"/>
+                </a:solidFill>
+              </a14:hiddenFill>
+            </a:ext>
+            <a:ext uri="{91240B29-F687-4F45-9708-019B960494DF}">
+              <a14:hiddenLine xmlns:a14="http://schemas.microsoft.com/office/drawing/2010/main" w="9525">
+                <a:solidFill>
+                  <a:schemeClr val="tx1"/>
+                </a:solidFill>
+                <a:miter lim="800000"/>
+                <a:headEnd/>
+                <a:tailEnd/>
+              </a14:hiddenLine>
+            </a:ext>
+          </a:extLst>
+        </p:spPr>
+      </p:pic>
     </p:spTree>
     <p:extLst>
       <p:ext uri="{BB962C8B-B14F-4D97-AF65-F5344CB8AC3E}">
@@ -3913,6 +5900,60 @@
           </a:p>
         </p:txBody>
       </p:sp>
+      <p:pic>
+        <p:nvPicPr>
+          <p:cNvPr id="5122" name="Picture 2"/>
+          <p:cNvPicPr>
+            <a:picLocks noChangeAspect="1" noChangeArrowheads="1"/>
+          </p:cNvPicPr>
+          <p:nvPr/>
+        </p:nvPicPr>
+        <p:blipFill>
+          <a:blip r:embed="rId2">
+            <a:extLst>
+              <a:ext uri="{28A0092B-C50C-407E-A947-70E740481C1C}">
+                <a14:useLocalDpi xmlns:a14="http://schemas.microsoft.com/office/drawing/2010/main" val="0"/>
+              </a:ext>
+            </a:extLst>
+          </a:blip>
+          <a:srcRect/>
+          <a:stretch>
+            <a:fillRect/>
+          </a:stretch>
+        </p:blipFill>
+        <p:spPr bwMode="auto">
+          <a:xfrm>
+            <a:off x="2057400" y="3581400"/>
+            <a:ext cx="4953000" cy="2786063"/>
+          </a:xfrm>
+          <a:prstGeom prst="rect">
+            <a:avLst/>
+          </a:prstGeom>
+          <a:noFill/>
+          <a:ln>
+            <a:noFill/>
+          </a:ln>
+          <a:extLst>
+            <a:ext uri="{909E8E84-426E-40DD-AFC4-6F175D3DCCD1}">
+              <a14:hiddenFill xmlns:a14="http://schemas.microsoft.com/office/drawing/2010/main">
+                <a:solidFill>
+                  <a:schemeClr val="accent1"/>
+                </a:solidFill>
+              </a14:hiddenFill>
+            </a:ext>
+            <a:ext uri="{91240B29-F687-4F45-9708-019B960494DF}">
+              <a14:hiddenLine xmlns:a14="http://schemas.microsoft.com/office/drawing/2010/main" w="9525">
+                <a:solidFill>
+                  <a:schemeClr val="tx1"/>
+                </a:solidFill>
+                <a:miter lim="800000"/>
+                <a:headEnd/>
+                <a:tailEnd/>
+              </a14:hiddenLine>
+            </a:ext>
+          </a:extLst>
+        </p:spPr>
+      </p:pic>
     </p:spTree>
     <p:extLst>
       <p:ext uri="{BB962C8B-B14F-4D97-AF65-F5344CB8AC3E}">

--- a/docs/Design review presentation.pptx
+++ b/docs/Design review presentation.pptx
@@ -20,12 +20,11 @@
     <p:sldId id="267" r:id="rId14"/>
     <p:sldId id="268" r:id="rId15"/>
     <p:sldId id="269" r:id="rId16"/>
-    <p:sldId id="270" r:id="rId17"/>
-    <p:sldId id="271" r:id="rId18"/>
-    <p:sldId id="272" r:id="rId19"/>
-    <p:sldId id="273" r:id="rId20"/>
-    <p:sldId id="274" r:id="rId21"/>
-    <p:sldId id="275" r:id="rId22"/>
+    <p:sldId id="271" r:id="rId17"/>
+    <p:sldId id="272" r:id="rId18"/>
+    <p:sldId id="273" r:id="rId19"/>
+    <p:sldId id="274" r:id="rId20"/>
+    <p:sldId id="275" r:id="rId21"/>
   </p:sldIdLst>
   <p:sldSz cx="9144000" cy="6858000" type="screen4x3"/>
   <p:notesSz cx="6858000" cy="9144000"/>
@@ -308,7 +307,7 @@
           <a:p>
             <a:fld id="{1BDCBD17-5CC7-4BD5-907D-58F97F74E9C6}" type="datetimeFigureOut">
               <a:rPr lang="en-US" smtClean="0"/>
-              <a:t>6/29/2013</a:t>
+              <a:t>7/2/2013</a:t>
             </a:fld>
             <a:endParaRPr lang="en-US"/>
           </a:p>
@@ -478,7 +477,7 @@
           <a:p>
             <a:fld id="{1BDCBD17-5CC7-4BD5-907D-58F97F74E9C6}" type="datetimeFigureOut">
               <a:rPr lang="en-US" smtClean="0"/>
-              <a:t>6/29/2013</a:t>
+              <a:t>7/2/2013</a:t>
             </a:fld>
             <a:endParaRPr lang="en-US"/>
           </a:p>
@@ -658,7 +657,7 @@
           <a:p>
             <a:fld id="{1BDCBD17-5CC7-4BD5-907D-58F97F74E9C6}" type="datetimeFigureOut">
               <a:rPr lang="en-US" smtClean="0"/>
-              <a:t>6/29/2013</a:t>
+              <a:t>7/2/2013</a:t>
             </a:fld>
             <a:endParaRPr lang="en-US"/>
           </a:p>
@@ -828,7 +827,7 @@
           <a:p>
             <a:fld id="{1BDCBD17-5CC7-4BD5-907D-58F97F74E9C6}" type="datetimeFigureOut">
               <a:rPr lang="en-US" smtClean="0"/>
-              <a:t>6/29/2013</a:t>
+              <a:t>7/2/2013</a:t>
             </a:fld>
             <a:endParaRPr lang="en-US"/>
           </a:p>
@@ -1074,7 +1073,7 @@
           <a:p>
             <a:fld id="{1BDCBD17-5CC7-4BD5-907D-58F97F74E9C6}" type="datetimeFigureOut">
               <a:rPr lang="en-US" smtClean="0"/>
-              <a:t>6/29/2013</a:t>
+              <a:t>7/2/2013</a:t>
             </a:fld>
             <a:endParaRPr lang="en-US"/>
           </a:p>
@@ -1362,7 +1361,7 @@
           <a:p>
             <a:fld id="{1BDCBD17-5CC7-4BD5-907D-58F97F74E9C6}" type="datetimeFigureOut">
               <a:rPr lang="en-US" smtClean="0"/>
-              <a:t>6/29/2013</a:t>
+              <a:t>7/2/2013</a:t>
             </a:fld>
             <a:endParaRPr lang="en-US"/>
           </a:p>
@@ -1784,7 +1783,7 @@
           <a:p>
             <a:fld id="{1BDCBD17-5CC7-4BD5-907D-58F97F74E9C6}" type="datetimeFigureOut">
               <a:rPr lang="en-US" smtClean="0"/>
-              <a:t>6/29/2013</a:t>
+              <a:t>7/2/2013</a:t>
             </a:fld>
             <a:endParaRPr lang="en-US"/>
           </a:p>
@@ -1902,7 +1901,7 @@
           <a:p>
             <a:fld id="{1BDCBD17-5CC7-4BD5-907D-58F97F74E9C6}" type="datetimeFigureOut">
               <a:rPr lang="en-US" smtClean="0"/>
-              <a:t>6/29/2013</a:t>
+              <a:t>7/2/2013</a:t>
             </a:fld>
             <a:endParaRPr lang="en-US"/>
           </a:p>
@@ -1997,7 +1996,7 @@
           <a:p>
             <a:fld id="{1BDCBD17-5CC7-4BD5-907D-58F97F74E9C6}" type="datetimeFigureOut">
               <a:rPr lang="en-US" smtClean="0"/>
-              <a:t>6/29/2013</a:t>
+              <a:t>7/2/2013</a:t>
             </a:fld>
             <a:endParaRPr lang="en-US"/>
           </a:p>
@@ -2274,7 +2273,7 @@
           <a:p>
             <a:fld id="{1BDCBD17-5CC7-4BD5-907D-58F97F74E9C6}" type="datetimeFigureOut">
               <a:rPr lang="en-US" smtClean="0"/>
-              <a:t>6/29/2013</a:t>
+              <a:t>7/2/2013</a:t>
             </a:fld>
             <a:endParaRPr lang="en-US"/>
           </a:p>
@@ -2527,7 +2526,7 @@
           <a:p>
             <a:fld id="{1BDCBD17-5CC7-4BD5-907D-58F97F74E9C6}" type="datetimeFigureOut">
               <a:rPr lang="en-US" smtClean="0"/>
-              <a:t>6/29/2013</a:t>
+              <a:t>7/2/2013</a:t>
             </a:fld>
             <a:endParaRPr lang="en-US"/>
           </a:p>
@@ -2740,7 +2739,7 @@
           <a:p>
             <a:fld id="{1BDCBD17-5CC7-4BD5-907D-58F97F74E9C6}" type="datetimeFigureOut">
               <a:rPr lang="en-US" smtClean="0"/>
-              <a:t>6/29/2013</a:t>
+              <a:t>7/2/2013</a:t>
             </a:fld>
             <a:endParaRPr lang="en-US"/>
           </a:p>
@@ -3171,6 +3170,13 @@
   <p:clrMapOvr>
     <a:masterClrMapping/>
   </p:clrMapOvr>
+  <p:timing>
+    <p:tnLst>
+      <p:par>
+        <p:cTn id="1" dur="indefinite" restart="never" nodeType="tmRoot"/>
+      </p:par>
+    </p:tnLst>
+  </p:timing>
 </p:sld>
 </file>
 
@@ -3327,6 +3333,13 @@
   <p:clrMapOvr>
     <a:masterClrMapping/>
   </p:clrMapOvr>
+  <p:timing>
+    <p:tnLst>
+      <p:par>
+        <p:cTn id="1" dur="indefinite" restart="never" nodeType="tmRoot"/>
+      </p:par>
+    </p:tnLst>
+  </p:timing>
 </p:sld>
 </file>
 
@@ -3974,6 +3987,13 @@
   <p:clrMapOvr>
     <a:masterClrMapping/>
   </p:clrMapOvr>
+  <p:timing>
+    <p:tnLst>
+      <p:par>
+        <p:cTn id="1" dur="indefinite" restart="never" nodeType="tmRoot"/>
+      </p:par>
+    </p:tnLst>
+  </p:timing>
 </p:sld>
 </file>
 
@@ -3994,6 +4014,69 @@
           <a:chExt cx="0" cy="0"/>
         </a:xfrm>
       </p:grpSpPr>
+      <p:pic>
+        <p:nvPicPr>
+          <p:cNvPr id="1030" name="Picture 6"/>
+          <p:cNvPicPr>
+            <a:picLocks noChangeAspect="1" noChangeArrowheads="1"/>
+          </p:cNvPicPr>
+          <p:nvPr/>
+        </p:nvPicPr>
+        <p:blipFill>
+          <a:blip r:embed="rId2">
+            <a:extLst>
+              <a:ext uri="{BEBA8EAE-BF5A-486C-A8C5-ECC9F3942E4B}">
+                <a14:imgProps xmlns:a14="http://schemas.microsoft.com/office/drawing/2010/main">
+                  <a14:imgLayer r:embed="rId3">
+                    <a14:imgEffect>
+                      <a14:sharpenSoften amount="-32000"/>
+                    </a14:imgEffect>
+                  </a14:imgLayer>
+                </a14:imgProps>
+              </a:ext>
+              <a:ext uri="{28A0092B-C50C-407E-A947-70E740481C1C}">
+                <a14:useLocalDpi xmlns:a14="http://schemas.microsoft.com/office/drawing/2010/main" val="0"/>
+              </a:ext>
+            </a:extLst>
+          </a:blip>
+          <a:srcRect/>
+          <a:stretch>
+            <a:fillRect/>
+          </a:stretch>
+        </p:blipFill>
+        <p:spPr bwMode="auto">
+          <a:xfrm>
+            <a:off x="0" y="0"/>
+            <a:ext cx="9144000" cy="6858000"/>
+          </a:xfrm>
+          <a:prstGeom prst="rect">
+            <a:avLst/>
+          </a:prstGeom>
+          <a:noFill/>
+          <a:ln>
+            <a:noFill/>
+          </a:ln>
+          <a:extLst>
+            <a:ext uri="{909E8E84-426E-40DD-AFC4-6F175D3DCCD1}">
+              <a14:hiddenFill xmlns:a14="http://schemas.microsoft.com/office/drawing/2010/main">
+                <a:solidFill>
+                  <a:schemeClr val="accent1"/>
+                </a:solidFill>
+              </a14:hiddenFill>
+            </a:ext>
+            <a:ext uri="{91240B29-F687-4F45-9708-019B960494DF}">
+              <a14:hiddenLine xmlns:a14="http://schemas.microsoft.com/office/drawing/2010/main" w="9525">
+                <a:solidFill>
+                  <a:schemeClr val="tx1"/>
+                </a:solidFill>
+                <a:miter lim="800000"/>
+                <a:headEnd/>
+                <a:tailEnd/>
+              </a14:hiddenLine>
+            </a:ext>
+          </a:extLst>
+        </p:spPr>
+      </p:pic>
       <p:sp>
         <p:nvSpPr>
           <p:cNvPr id="2" name="Title 1"/>
@@ -4010,10 +4093,22 @@
           <a:lstStyle/>
           <a:p>
             <a:r>
-              <a:rPr lang="en-US" dirty="0" smtClean="0"/>
+              <a:rPr lang="en-US" dirty="0" smtClean="0">
+                <a:ln>
+                  <a:solidFill>
+                    <a:schemeClr val="tx1"/>
+                  </a:solidFill>
+                </a:ln>
+              </a:rPr>
               <a:t>Google Maps API</a:t>
             </a:r>
-            <a:endParaRPr lang="en-US" dirty="0"/>
+            <a:endParaRPr lang="en-US" dirty="0">
+              <a:ln>
+                <a:solidFill>
+                  <a:schemeClr val="tx1"/>
+                </a:solidFill>
+              </a:ln>
+            </a:endParaRPr>
           </a:p>
         </p:txBody>
       </p:sp>
@@ -4032,7 +4127,55 @@
           <a:bodyPr/>
           <a:lstStyle/>
           <a:p>
-            <a:endParaRPr lang="en-US"/>
+            <a:r>
+              <a:rPr lang="en-US" dirty="0" smtClean="0">
+                <a:ln w="12700">
+                  <a:solidFill>
+                    <a:schemeClr val="tx1"/>
+                  </a:solidFill>
+                </a:ln>
+                <a:latin typeface="Arial" pitchFamily="34" charset="0"/>
+                <a:cs typeface="Arial" pitchFamily="34" charset="0"/>
+              </a:rPr>
+              <a:t>Part of the Google Play Services SDK (Separate download from Android SDK)</a:t>
+            </a:r>
+          </a:p>
+          <a:p>
+            <a:r>
+              <a:rPr lang="en-US" dirty="0" smtClean="0">
+                <a:ln w="12700">
+                  <a:solidFill>
+                    <a:schemeClr val="tx1"/>
+                  </a:solidFill>
+                </a:ln>
+                <a:latin typeface="Arial" pitchFamily="34" charset="0"/>
+                <a:cs typeface="Arial" pitchFamily="34" charset="0"/>
+              </a:rPr>
+              <a:t>Allows you to place and interface with maps inside your app</a:t>
+            </a:r>
+          </a:p>
+          <a:p>
+            <a:r>
+              <a:rPr lang="en-US" dirty="0" smtClean="0">
+                <a:ln w="12700">
+                  <a:solidFill>
+                    <a:schemeClr val="tx1"/>
+                  </a:solidFill>
+                </a:ln>
+                <a:latin typeface="Arial" pitchFamily="34" charset="0"/>
+                <a:cs typeface="Arial" pitchFamily="34" charset="0"/>
+              </a:rPr>
+              <a:t>Requires one-time app registration to access Google’s servers</a:t>
+            </a:r>
+            <a:endParaRPr lang="en-US" dirty="0">
+              <a:ln w="12700">
+                <a:solidFill>
+                  <a:schemeClr val="tx1"/>
+                </a:solidFill>
+              </a:ln>
+              <a:latin typeface="Arial" pitchFamily="34" charset="0"/>
+              <a:cs typeface="Arial" pitchFamily="34" charset="0"/>
+            </a:endParaRPr>
           </a:p>
         </p:txBody>
       </p:sp>
@@ -4046,6 +4189,13 @@
   <p:clrMapOvr>
     <a:masterClrMapping/>
   </p:clrMapOvr>
+  <p:timing>
+    <p:tnLst>
+      <p:par>
+        <p:cTn id="1" dur="indefinite" restart="never" nodeType="tmRoot"/>
+      </p:par>
+    </p:tnLst>
+  </p:timing>
 </p:sld>
 </file>
 
@@ -4083,7 +4233,7 @@
           <a:p>
             <a:r>
               <a:rPr lang="en-US" dirty="0" smtClean="0"/>
-              <a:t>Google Maps API</a:t>
+              <a:t>Setting up the Maps API</a:t>
             </a:r>
             <a:endParaRPr lang="en-US" dirty="0"/>
           </a:p>
@@ -4104,7 +4254,133 @@
           <a:bodyPr/>
           <a:lstStyle/>
           <a:p>
-            <a:endParaRPr lang="en-US"/>
+            <a:pPr marL="514350" indent="-514350">
+              <a:buAutoNum type="arabicPeriod"/>
+            </a:pPr>
+            <a:r>
+              <a:rPr lang="en-US" dirty="0" smtClean="0"/>
+              <a:t>Obtain your application’s digital certificate (SHA-1 fingerprint)</a:t>
+            </a:r>
+          </a:p>
+          <a:p>
+            <a:pPr marL="514350" indent="-514350">
+              <a:buAutoNum type="arabicPeriod"/>
+            </a:pPr>
+            <a:r>
+              <a:rPr lang="en-US" dirty="0" smtClean="0"/>
+              <a:t>Register your app on the Google APIs website</a:t>
+            </a:r>
+          </a:p>
+          <a:p>
+            <a:pPr marL="514350" indent="-514350">
+              <a:buAutoNum type="arabicPeriod"/>
+            </a:pPr>
+            <a:r>
+              <a:rPr lang="en-US" dirty="0" smtClean="0"/>
+              <a:t>Create a new Android Key</a:t>
+            </a:r>
+          </a:p>
+          <a:p>
+            <a:pPr marL="514350" indent="-514350">
+              <a:buAutoNum type="arabicPeriod"/>
+            </a:pPr>
+            <a:r>
+              <a:rPr lang="en-US" dirty="0" smtClean="0"/>
+              <a:t>Import the Android Key into your application</a:t>
+            </a:r>
+          </a:p>
+          <a:p>
+            <a:pPr marL="514350" indent="-514350">
+              <a:buAutoNum type="arabicPeriod"/>
+            </a:pPr>
+            <a:r>
+              <a:rPr lang="en-US" dirty="0" smtClean="0"/>
+              <a:t>Enable Google Maps Android API v2 under “API Access” in your Google API account.</a:t>
+            </a:r>
+            <a:endParaRPr lang="en-US" dirty="0"/>
+          </a:p>
+        </p:txBody>
+      </p:sp>
+      <p:pic>
+        <p:nvPicPr>
+          <p:cNvPr id="2050" name="Picture 2"/>
+          <p:cNvPicPr>
+            <a:picLocks noChangeAspect="1" noChangeArrowheads="1"/>
+          </p:cNvPicPr>
+          <p:nvPr/>
+        </p:nvPicPr>
+        <p:blipFill>
+          <a:blip r:embed="rId2">
+            <a:extLst>
+              <a:ext uri="{28A0092B-C50C-407E-A947-70E740481C1C}">
+                <a14:useLocalDpi xmlns:a14="http://schemas.microsoft.com/office/drawing/2010/main" val="0"/>
+              </a:ext>
+            </a:extLst>
+          </a:blip>
+          <a:srcRect/>
+          <a:stretch>
+            <a:fillRect/>
+          </a:stretch>
+        </p:blipFill>
+        <p:spPr bwMode="auto">
+          <a:xfrm>
+            <a:off x="561975" y="5619750"/>
+            <a:ext cx="8020050" cy="476250"/>
+          </a:xfrm>
+          <a:prstGeom prst="rect">
+            <a:avLst/>
+          </a:prstGeom>
+          <a:noFill/>
+          <a:ln>
+            <a:noFill/>
+          </a:ln>
+          <a:extLst>
+            <a:ext uri="{909E8E84-426E-40DD-AFC4-6F175D3DCCD1}">
+              <a14:hiddenFill xmlns:a14="http://schemas.microsoft.com/office/drawing/2010/main">
+                <a:solidFill>
+                  <a:schemeClr val="accent1"/>
+                </a:solidFill>
+              </a14:hiddenFill>
+            </a:ext>
+            <a:ext uri="{91240B29-F687-4F45-9708-019B960494DF}">
+              <a14:hiddenLine xmlns:a14="http://schemas.microsoft.com/office/drawing/2010/main" w="9525">
+                <a:solidFill>
+                  <a:schemeClr val="tx1"/>
+                </a:solidFill>
+                <a:miter lim="800000"/>
+                <a:headEnd/>
+                <a:tailEnd/>
+              </a14:hiddenLine>
+            </a:ext>
+          </a:extLst>
+        </p:spPr>
+      </p:pic>
+      <p:sp>
+        <p:nvSpPr>
+          <p:cNvPr id="4" name="TextBox 3"/>
+          <p:cNvSpPr txBox="1"/>
+          <p:nvPr/>
+        </p:nvSpPr>
+        <p:spPr>
+          <a:xfrm>
+            <a:off x="561975" y="6248400"/>
+            <a:ext cx="6538200" cy="369332"/>
+          </a:xfrm>
+          <a:prstGeom prst="rect">
+            <a:avLst/>
+          </a:prstGeom>
+          <a:noFill/>
+        </p:spPr>
+        <p:txBody>
+          <a:bodyPr wrap="none" rtlCol="0">
+            <a:spAutoFit/>
+          </a:bodyPr>
+          <a:lstStyle/>
+          <a:p>
+            <a:r>
+              <a:rPr lang="en-US" dirty="0"/>
+              <a:t>https://developers.google.com/maps/documentation/android/start</a:t>
+            </a:r>
           </a:p>
         </p:txBody>
       </p:sp>
@@ -4118,6 +4394,13 @@
   <p:clrMapOvr>
     <a:masterClrMapping/>
   </p:clrMapOvr>
+  <p:timing>
+    <p:tnLst>
+      <p:par>
+        <p:cTn id="1" dur="indefinite" restart="never" nodeType="tmRoot"/>
+      </p:par>
+    </p:tnLst>
+  </p:timing>
 </p:sld>
 </file>
 
@@ -4154,28 +4437,114 @@
           <a:lstStyle/>
           <a:p>
             <a:r>
+              <a:rPr lang="en-US" dirty="0" smtClean="0"/>
+              <a:t>Using Maps in an App</a:t>
+            </a:r>
+            <a:endParaRPr lang="en-US" dirty="0"/>
+          </a:p>
+        </p:txBody>
+      </p:sp>
+      <p:sp>
+        <p:nvSpPr>
+          <p:cNvPr id="3" name="Content Placeholder 2"/>
+          <p:cNvSpPr>
+            <a:spLocks noGrp="1"/>
+          </p:cNvSpPr>
+          <p:nvPr>
+            <p:ph idx="1"/>
+          </p:nvPr>
+        </p:nvSpPr>
+        <p:spPr/>
+        <p:txBody>
+          <a:bodyPr/>
+          <a:lstStyle/>
+          <a:p>
+            <a:r>
+              <a:rPr lang="en-US" dirty="0" smtClean="0"/>
+              <a:t>The easiest way to add a map to an Activity is by adding a </a:t>
+            </a:r>
+            <a:r>
+              <a:rPr lang="en-US" dirty="0" err="1" smtClean="0"/>
+              <a:t>MapFragment</a:t>
+            </a:r>
+            <a:r>
+              <a:rPr lang="en-US" dirty="0" smtClean="0"/>
+              <a:t> to the layout xml file.</a:t>
+            </a:r>
+          </a:p>
+          <a:p>
+            <a:r>
+              <a:rPr lang="en-US" dirty="0" smtClean="0"/>
+              <a:t>Then, in code, use the </a:t>
+            </a:r>
+            <a:r>
+              <a:rPr lang="en-US" dirty="0" err="1" smtClean="0"/>
+              <a:t>getMap</a:t>
+            </a:r>
+            <a:r>
+              <a:rPr lang="en-US" dirty="0" smtClean="0"/>
+              <a:t>() method to obtain the </a:t>
+            </a:r>
+            <a:r>
+              <a:rPr lang="en-US" dirty="0" err="1" smtClean="0"/>
+              <a:t>GoogleMap</a:t>
+            </a:r>
+            <a:r>
+              <a:rPr lang="en-US" dirty="0" smtClean="0"/>
+              <a:t> object for the </a:t>
+            </a:r>
+            <a:r>
+              <a:rPr lang="en-US" dirty="0" err="1" smtClean="0"/>
+              <a:t>MapFragment</a:t>
+            </a:r>
+            <a:r>
+              <a:rPr lang="en-US" dirty="0" smtClean="0"/>
+              <a:t>.</a:t>
+            </a:r>
+          </a:p>
+          <a:p>
+            <a:r>
+              <a:rPr lang="en-US" dirty="0" smtClean="0"/>
+              <a:t>The </a:t>
+            </a:r>
+            <a:r>
+              <a:rPr lang="en-US" dirty="0" err="1" smtClean="0"/>
+              <a:t>GoogleMap</a:t>
+            </a:r>
+            <a:r>
+              <a:rPr lang="en-US" dirty="0" smtClean="0"/>
+              <a:t> object has methods that will allow you to customize the shown map</a:t>
+            </a:r>
+            <a:endParaRPr lang="en-US" dirty="0"/>
+          </a:p>
+        </p:txBody>
+      </p:sp>
+      <p:sp>
+        <p:nvSpPr>
+          <p:cNvPr id="4" name="TextBox 3"/>
+          <p:cNvSpPr txBox="1"/>
+          <p:nvPr/>
+        </p:nvSpPr>
+        <p:spPr>
+          <a:xfrm>
+            <a:off x="533400" y="6260068"/>
+            <a:ext cx="6530377" cy="369332"/>
+          </a:xfrm>
+          <a:prstGeom prst="rect">
+            <a:avLst/>
+          </a:prstGeom>
+          <a:noFill/>
+        </p:spPr>
+        <p:txBody>
+          <a:bodyPr wrap="none" rtlCol="0">
+            <a:spAutoFit/>
+          </a:bodyPr>
+          <a:lstStyle/>
+          <a:p>
+            <a:r>
               <a:rPr lang="en-US" dirty="0"/>
-              <a:t>Google Maps API</a:t>
-            </a:r>
-          </a:p>
-        </p:txBody>
-      </p:sp>
-      <p:sp>
-        <p:nvSpPr>
-          <p:cNvPr id="3" name="Content Placeholder 2"/>
-          <p:cNvSpPr>
-            <a:spLocks noGrp="1"/>
-          </p:cNvSpPr>
-          <p:nvPr>
-            <p:ph idx="1"/>
-          </p:nvPr>
-        </p:nvSpPr>
-        <p:spPr/>
-        <p:txBody>
-          <a:bodyPr/>
-          <a:lstStyle/>
-          <a:p>
-            <a:endParaRPr lang="en-US"/>
+              <a:t>https://developers.google.com/maps/documentation/android/map</a:t>
+            </a:r>
           </a:p>
         </p:txBody>
       </p:sp>
@@ -4189,6 +4558,13 @@
   <p:clrMapOvr>
     <a:masterClrMapping/>
   </p:clrMapOvr>
+  <p:timing>
+    <p:tnLst>
+      <p:par>
+        <p:cTn id="1" dur="indefinite" restart="never" nodeType="tmRoot"/>
+      </p:par>
+    </p:tnLst>
+  </p:timing>
 </p:sld>
 </file>
 
@@ -4225,9 +4601,18 @@
           <a:lstStyle/>
           <a:p>
             <a:r>
-              <a:rPr lang="en-US" dirty="0"/>
-              <a:t>Google Maps API</a:t>
-            </a:r>
+              <a:rPr lang="en-US" dirty="0" smtClean="0"/>
+              <a:t>Common </a:t>
+            </a:r>
+            <a:r>
+              <a:rPr lang="en-US" dirty="0" err="1" smtClean="0"/>
+              <a:t>GoogleMap</a:t>
+            </a:r>
+            <a:r>
+              <a:rPr lang="en-US" dirty="0" smtClean="0"/>
+              <a:t> Methods</a:t>
+            </a:r>
+            <a:endParaRPr lang="en-US" dirty="0"/>
           </a:p>
         </p:txBody>
       </p:sp>
@@ -4246,7 +4631,53 @@
           <a:bodyPr/>
           <a:lstStyle/>
           <a:p>
-            <a:endParaRPr lang="en-US"/>
+            <a:r>
+              <a:rPr lang="en-US" dirty="0" err="1" smtClean="0"/>
+              <a:t>setMapType</a:t>
+            </a:r>
+            <a:r>
+              <a:rPr lang="en-US" dirty="0" smtClean="0"/>
+              <a:t>() – change the type of the map displayed – normal, satellite, hybrid, or terrain</a:t>
+            </a:r>
+          </a:p>
+          <a:p>
+            <a:r>
+              <a:rPr lang="en-US" dirty="0" err="1" smtClean="0"/>
+              <a:t>addMarker</a:t>
+            </a:r>
+            <a:r>
+              <a:rPr lang="en-US" dirty="0" smtClean="0"/>
+              <a:t>() – add a marker on the map at a given latitude and longitude</a:t>
+            </a:r>
+          </a:p>
+          <a:p>
+            <a:r>
+              <a:rPr lang="en-US" dirty="0" err="1" smtClean="0"/>
+              <a:t>addPolyLine</a:t>
+            </a:r>
+            <a:r>
+              <a:rPr lang="en-US" dirty="0" smtClean="0"/>
+              <a:t>(), </a:t>
+            </a:r>
+            <a:r>
+              <a:rPr lang="en-US" dirty="0" err="1" smtClean="0"/>
+              <a:t>addPolygon</a:t>
+            </a:r>
+            <a:r>
+              <a:rPr lang="en-US" dirty="0" smtClean="0"/>
+              <a:t>, </a:t>
+            </a:r>
+            <a:r>
+              <a:rPr lang="en-US" dirty="0" err="1" smtClean="0"/>
+              <a:t>addCircle</a:t>
+            </a:r>
+            <a:r>
+              <a:rPr lang="en-US" dirty="0" smtClean="0"/>
+              <a:t>() – draw on the map</a:t>
+            </a:r>
+          </a:p>
+          <a:p>
+            <a:endParaRPr lang="en-US" dirty="0"/>
           </a:p>
         </p:txBody>
       </p:sp>
@@ -4296,9 +4727,10 @@
           <a:lstStyle/>
           <a:p>
             <a:r>
-              <a:rPr lang="en-US" dirty="0"/>
-              <a:t>Google Maps API</a:t>
-            </a:r>
+              <a:rPr lang="en-US" dirty="0" smtClean="0"/>
+              <a:t>Flyweight - Design Pattern</a:t>
+            </a:r>
+            <a:endParaRPr lang="en-US" dirty="0"/>
           </a:p>
         </p:txBody>
       </p:sp>
@@ -4314,17 +4746,55 @@
         </p:nvSpPr>
         <p:spPr/>
         <p:txBody>
-          <a:bodyPr/>
-          <a:lstStyle/>
-          <a:p>
-            <a:endParaRPr lang="en-US"/>
+          <a:bodyPr>
+            <a:normAutofit lnSpcReduction="10000"/>
+          </a:bodyPr>
+          <a:lstStyle/>
+          <a:p>
+            <a:r>
+              <a:rPr lang="en-US" dirty="0" smtClean="0"/>
+              <a:t>Purpose – Structural</a:t>
+            </a:r>
+          </a:p>
+          <a:p>
+            <a:r>
+              <a:rPr lang="en-US" dirty="0" smtClean="0"/>
+              <a:t>Scope – Object </a:t>
+            </a:r>
+          </a:p>
+          <a:p>
+            <a:r>
+              <a:rPr lang="en-US" dirty="0" smtClean="0"/>
+              <a:t>Motivation</a:t>
+            </a:r>
+          </a:p>
+          <a:p>
+            <a:pPr lvl="1"/>
+            <a:r>
+              <a:rPr lang="en-US" dirty="0" smtClean="0"/>
+              <a:t>Sometimes, programs need multiple objects that have some similarities, This can cause a large memory cost</a:t>
+            </a:r>
+          </a:p>
+          <a:p>
+            <a:r>
+              <a:rPr lang="en-US" dirty="0" smtClean="0"/>
+              <a:t>Intent</a:t>
+            </a:r>
+          </a:p>
+          <a:p>
+            <a:pPr lvl="1"/>
+            <a:r>
+              <a:rPr lang="en-US" dirty="0" smtClean="0"/>
+              <a:t>Use sharing to have a large number of objects that share an internal state with the rest varying</a:t>
+            </a:r>
+            <a:endParaRPr lang="en-US" dirty="0"/>
           </a:p>
         </p:txBody>
       </p:sp>
     </p:spTree>
     <p:extLst>
       <p:ext uri="{BB962C8B-B14F-4D97-AF65-F5344CB8AC3E}">
-        <p14:creationId xmlns:p14="http://schemas.microsoft.com/office/powerpoint/2010/main" val="1717448519"/>
+        <p14:creationId xmlns:p14="http://schemas.microsoft.com/office/powerpoint/2010/main" val="719817041"/>
       </p:ext>
     </p:extLst>
   </p:cSld>
@@ -4368,116 +4838,6 @@
           <a:p>
             <a:r>
               <a:rPr lang="en-US" dirty="0" smtClean="0"/>
-              <a:t>Flyweight - Design Pattern</a:t>
-            </a:r>
-            <a:endParaRPr lang="en-US" dirty="0"/>
-          </a:p>
-        </p:txBody>
-      </p:sp>
-      <p:sp>
-        <p:nvSpPr>
-          <p:cNvPr id="3" name="Content Placeholder 2"/>
-          <p:cNvSpPr>
-            <a:spLocks noGrp="1"/>
-          </p:cNvSpPr>
-          <p:nvPr>
-            <p:ph idx="1"/>
-          </p:nvPr>
-        </p:nvSpPr>
-        <p:spPr/>
-        <p:txBody>
-          <a:bodyPr>
-            <a:normAutofit lnSpcReduction="10000"/>
-          </a:bodyPr>
-          <a:lstStyle/>
-          <a:p>
-            <a:r>
-              <a:rPr lang="en-US" dirty="0" smtClean="0"/>
-              <a:t>Purpose – Structural</a:t>
-            </a:r>
-          </a:p>
-          <a:p>
-            <a:r>
-              <a:rPr lang="en-US" dirty="0" smtClean="0"/>
-              <a:t>Scope – Object </a:t>
-            </a:r>
-          </a:p>
-          <a:p>
-            <a:r>
-              <a:rPr lang="en-US" dirty="0" smtClean="0"/>
-              <a:t>Motivation</a:t>
-            </a:r>
-          </a:p>
-          <a:p>
-            <a:pPr lvl="1"/>
-            <a:r>
-              <a:rPr lang="en-US" dirty="0" smtClean="0"/>
-              <a:t>Sometimes, programs need multiple objects that have some similarities, This can cause a large memory cost</a:t>
-            </a:r>
-          </a:p>
-          <a:p>
-            <a:r>
-              <a:rPr lang="en-US" dirty="0" smtClean="0"/>
-              <a:t>Intent</a:t>
-            </a:r>
-          </a:p>
-          <a:p>
-            <a:pPr lvl="1"/>
-            <a:r>
-              <a:rPr lang="en-US" dirty="0" smtClean="0"/>
-              <a:t>Use sharing to have a large number of objects that share an internal state with the rest varying</a:t>
-            </a:r>
-            <a:endParaRPr lang="en-US" dirty="0"/>
-          </a:p>
-        </p:txBody>
-      </p:sp>
-    </p:spTree>
-    <p:extLst>
-      <p:ext uri="{BB962C8B-B14F-4D97-AF65-F5344CB8AC3E}">
-        <p14:creationId xmlns:p14="http://schemas.microsoft.com/office/powerpoint/2010/main" val="719817041"/>
-      </p:ext>
-    </p:extLst>
-  </p:cSld>
-  <p:clrMapOvr>
-    <a:masterClrMapping/>
-  </p:clrMapOvr>
-</p:sld>
-</file>
-
-<file path=ppt/slides/slide18.xml><?xml version="1.0" encoding="utf-8"?>
-<p:sld xmlns:a="http://schemas.openxmlformats.org/drawingml/2006/main" xmlns:r="http://schemas.openxmlformats.org/officeDocument/2006/relationships" xmlns:p="http://schemas.openxmlformats.org/presentationml/2006/main">
-  <p:cSld>
-    <p:spTree>
-      <p:nvGrpSpPr>
-        <p:cNvPr id="1" name=""/>
-        <p:cNvGrpSpPr/>
-        <p:nvPr/>
-      </p:nvGrpSpPr>
-      <p:grpSpPr>
-        <a:xfrm>
-          <a:off x="0" y="0"/>
-          <a:ext cx="0" cy="0"/>
-          <a:chOff x="0" y="0"/>
-          <a:chExt cx="0" cy="0"/>
-        </a:xfrm>
-      </p:grpSpPr>
-      <p:sp>
-        <p:nvSpPr>
-          <p:cNvPr id="2" name="Title 1"/>
-          <p:cNvSpPr>
-            <a:spLocks noGrp="1"/>
-          </p:cNvSpPr>
-          <p:nvPr>
-            <p:ph type="title"/>
-          </p:nvPr>
-        </p:nvSpPr>
-        <p:spPr/>
-        <p:txBody>
-          <a:bodyPr/>
-          <a:lstStyle/>
-          <a:p>
-            <a:r>
-              <a:rPr lang="en-US" dirty="0" smtClean="0"/>
               <a:t>Flyweight - Participants</a:t>
             </a:r>
             <a:endParaRPr lang="en-US" dirty="0"/>
@@ -4577,7 +4937,7 @@
 </p:sld>
 </file>
 
-<file path=ppt/slides/slide19.xml><?xml version="1.0" encoding="utf-8"?>
+<file path=ppt/slides/slide18.xml><?xml version="1.0" encoding="utf-8"?>
 <p:sld xmlns:a="http://schemas.openxmlformats.org/drawingml/2006/main" xmlns:r="http://schemas.openxmlformats.org/officeDocument/2006/relationships" xmlns:p="http://schemas.openxmlformats.org/presentationml/2006/main">
   <p:cSld>
     <p:spTree>
@@ -4659,6 +5019,109 @@
 </p:sld>
 </file>
 
+<file path=ppt/slides/slide19.xml><?xml version="1.0" encoding="utf-8"?>
+<p:sld xmlns:a="http://schemas.openxmlformats.org/drawingml/2006/main" xmlns:r="http://schemas.openxmlformats.org/officeDocument/2006/relationships" xmlns:p="http://schemas.openxmlformats.org/presentationml/2006/main">
+  <p:cSld>
+    <p:spTree>
+      <p:nvGrpSpPr>
+        <p:cNvPr id="1" name=""/>
+        <p:cNvGrpSpPr/>
+        <p:nvPr/>
+      </p:nvGrpSpPr>
+      <p:grpSpPr>
+        <a:xfrm>
+          <a:off x="0" y="0"/>
+          <a:ext cx="0" cy="0"/>
+          <a:chOff x="0" y="0"/>
+          <a:chExt cx="0" cy="0"/>
+        </a:xfrm>
+      </p:grpSpPr>
+      <p:sp>
+        <p:nvSpPr>
+          <p:cNvPr id="2" name="Title 1"/>
+          <p:cNvSpPr>
+            <a:spLocks noGrp="1"/>
+          </p:cNvSpPr>
+          <p:nvPr>
+            <p:ph type="title"/>
+          </p:nvPr>
+        </p:nvSpPr>
+        <p:spPr/>
+        <p:txBody>
+          <a:bodyPr/>
+          <a:lstStyle/>
+          <a:p>
+            <a:r>
+              <a:rPr lang="en-US" dirty="0" smtClean="0"/>
+              <a:t>Flyweight - Implementation</a:t>
+            </a:r>
+            <a:endParaRPr lang="en-US" dirty="0"/>
+          </a:p>
+        </p:txBody>
+      </p:sp>
+      <p:sp>
+        <p:nvSpPr>
+          <p:cNvPr id="3" name="Content Placeholder 2"/>
+          <p:cNvSpPr>
+            <a:spLocks noGrp="1"/>
+          </p:cNvSpPr>
+          <p:nvPr>
+            <p:ph idx="1"/>
+          </p:nvPr>
+        </p:nvSpPr>
+        <p:spPr/>
+        <p:txBody>
+          <a:bodyPr/>
+          <a:lstStyle/>
+          <a:p>
+            <a:r>
+              <a:rPr lang="en-US" dirty="0" smtClean="0"/>
+              <a:t>Client calls factory to get flyweight object</a:t>
+            </a:r>
+          </a:p>
+          <a:p>
+            <a:r>
+              <a:rPr lang="en-US" dirty="0" smtClean="0"/>
+              <a:t>Factory checks pool to determine if object exists</a:t>
+            </a:r>
+          </a:p>
+          <a:p>
+            <a:pPr lvl="1"/>
+            <a:r>
+              <a:rPr lang="en-US" dirty="0" smtClean="0"/>
+              <a:t>If so factor returns object</a:t>
+            </a:r>
+          </a:p>
+          <a:p>
+            <a:pPr lvl="1"/>
+            <a:r>
+              <a:rPr lang="en-US" dirty="0" smtClean="0"/>
+              <a:t>Otherwise factory creates object adds it to the pool and returns it</a:t>
+            </a:r>
+          </a:p>
+          <a:p>
+            <a:pPr lvl="1"/>
+            <a:r>
+              <a:rPr lang="en-US" dirty="0" smtClean="0"/>
+              <a:t>Flyweight maintains shared internal state and provides methods to manipulate varying external state </a:t>
+            </a:r>
+            <a:endParaRPr lang="en-US" dirty="0"/>
+          </a:p>
+        </p:txBody>
+      </p:sp>
+    </p:spTree>
+    <p:extLst>
+      <p:ext uri="{BB962C8B-B14F-4D97-AF65-F5344CB8AC3E}">
+        <p14:creationId xmlns:p14="http://schemas.microsoft.com/office/powerpoint/2010/main" val="1716789449"/>
+      </p:ext>
+    </p:extLst>
+  </p:cSld>
+  <p:clrMapOvr>
+    <a:masterClrMapping/>
+  </p:clrMapOvr>
+</p:sld>
+</file>
+
 <file path=ppt/slides/slide2.xml><?xml version="1.0" encoding="utf-8"?>
 <p:sld xmlns:a="http://schemas.openxmlformats.org/drawingml/2006/main" xmlns:r="http://schemas.openxmlformats.org/officeDocument/2006/relationships" xmlns:p="http://schemas.openxmlformats.org/presentationml/2006/main">
   <p:cSld>
@@ -4796,113 +5259,17 @@
   <p:clrMapOvr>
     <a:masterClrMapping/>
   </p:clrMapOvr>
+  <p:timing>
+    <p:tnLst>
+      <p:par>
+        <p:cTn id="1" dur="indefinite" restart="never" nodeType="tmRoot"/>
+      </p:par>
+    </p:tnLst>
+  </p:timing>
 </p:sld>
 </file>
 
 <file path=ppt/slides/slide20.xml><?xml version="1.0" encoding="utf-8"?>
-<p:sld xmlns:a="http://schemas.openxmlformats.org/drawingml/2006/main" xmlns:r="http://schemas.openxmlformats.org/officeDocument/2006/relationships" xmlns:p="http://schemas.openxmlformats.org/presentationml/2006/main">
-  <p:cSld>
-    <p:spTree>
-      <p:nvGrpSpPr>
-        <p:cNvPr id="1" name=""/>
-        <p:cNvGrpSpPr/>
-        <p:nvPr/>
-      </p:nvGrpSpPr>
-      <p:grpSpPr>
-        <a:xfrm>
-          <a:off x="0" y="0"/>
-          <a:ext cx="0" cy="0"/>
-          <a:chOff x="0" y="0"/>
-          <a:chExt cx="0" cy="0"/>
-        </a:xfrm>
-      </p:grpSpPr>
-      <p:sp>
-        <p:nvSpPr>
-          <p:cNvPr id="2" name="Title 1"/>
-          <p:cNvSpPr>
-            <a:spLocks noGrp="1"/>
-          </p:cNvSpPr>
-          <p:nvPr>
-            <p:ph type="title"/>
-          </p:nvPr>
-        </p:nvSpPr>
-        <p:spPr/>
-        <p:txBody>
-          <a:bodyPr/>
-          <a:lstStyle/>
-          <a:p>
-            <a:r>
-              <a:rPr lang="en-US" dirty="0" smtClean="0"/>
-              <a:t>Flyweight - Implementation</a:t>
-            </a:r>
-            <a:endParaRPr lang="en-US" dirty="0"/>
-          </a:p>
-        </p:txBody>
-      </p:sp>
-      <p:sp>
-        <p:nvSpPr>
-          <p:cNvPr id="3" name="Content Placeholder 2"/>
-          <p:cNvSpPr>
-            <a:spLocks noGrp="1"/>
-          </p:cNvSpPr>
-          <p:nvPr>
-            <p:ph idx="1"/>
-          </p:nvPr>
-        </p:nvSpPr>
-        <p:spPr/>
-        <p:txBody>
-          <a:bodyPr/>
-          <a:lstStyle/>
-          <a:p>
-            <a:r>
-              <a:rPr lang="en-US" dirty="0" smtClean="0"/>
-              <a:t>Client calls factory to get flyweight object</a:t>
-            </a:r>
-          </a:p>
-          <a:p>
-            <a:r>
-              <a:rPr lang="en-US" dirty="0" smtClean="0"/>
-              <a:t>Factory checks pool to determine if object exists</a:t>
-            </a:r>
-          </a:p>
-          <a:p>
-            <a:pPr lvl="1"/>
-            <a:r>
-              <a:rPr lang="en-US" dirty="0" smtClean="0"/>
-              <a:t>If so factor returns object</a:t>
-            </a:r>
-          </a:p>
-          <a:p>
-            <a:pPr lvl="1"/>
-            <a:r>
-              <a:rPr lang="en-US" dirty="0" smtClean="0"/>
-              <a:t>Otherwise factory creates object adds it to the pool and returns it</a:t>
-            </a:r>
-          </a:p>
-          <a:p>
-            <a:pPr lvl="1"/>
-            <a:r>
-              <a:rPr lang="en-US" dirty="0" smtClean="0"/>
-              <a:t>Flyweight maintains shared internal state and provides methods to manipulate varying external state </a:t>
-            </a:r>
-            <a:endParaRPr lang="en-US" dirty="0"/>
-          </a:p>
-        </p:txBody>
-      </p:sp>
-    </p:spTree>
-    <p:extLst>
-      <p:ext uri="{BB962C8B-B14F-4D97-AF65-F5344CB8AC3E}">
-        <p14:creationId xmlns:p14="http://schemas.microsoft.com/office/powerpoint/2010/main" val="1716789449"/>
-      </p:ext>
-    </p:extLst>
-  </p:cSld>
-  <p:clrMapOvr>
-    <a:masterClrMapping/>
-  </p:clrMapOvr>
-</p:sld>
-</file>
-
-<file path=ppt/slides/slide21.xml><?xml version="1.0" encoding="utf-8"?>
 <p:sld xmlns:a="http://schemas.openxmlformats.org/drawingml/2006/main" xmlns:r="http://schemas.openxmlformats.org/officeDocument/2006/relationships" xmlns:p="http://schemas.openxmlformats.org/presentationml/2006/main">
   <p:cSld>
     <p:spTree>
@@ -5193,6 +5560,13 @@
   <p:clrMapOvr>
     <a:masterClrMapping/>
   </p:clrMapOvr>
+  <p:timing>
+    <p:tnLst>
+      <p:par>
+        <p:cTn id="1" dur="indefinite" restart="never" nodeType="tmRoot"/>
+      </p:par>
+    </p:tnLst>
+  </p:timing>
 </p:sld>
 </file>
 
@@ -5282,6 +5656,13 @@
   <p:clrMapOvr>
     <a:masterClrMapping/>
   </p:clrMapOvr>
+  <p:timing>
+    <p:tnLst>
+      <p:par>
+        <p:cTn id="1" dur="indefinite" restart="never" nodeType="tmRoot"/>
+      </p:par>
+    </p:tnLst>
+  </p:timing>
 </p:sld>
 </file>
 
@@ -5604,6 +5985,13 @@
   <p:clrMapOvr>
     <a:masterClrMapping/>
   </p:clrMapOvr>
+  <p:timing>
+    <p:tnLst>
+      <p:par>
+        <p:cTn id="1" dur="indefinite" restart="never" nodeType="tmRoot"/>
+      </p:par>
+    </p:tnLst>
+  </p:timing>
 </p:sld>
 </file>
 
@@ -5666,27 +6054,39 @@
           <a:p>
             <a:r>
               <a:rPr lang="en-US" dirty="0" smtClean="0"/>
-              <a:t>allow the user to specify a recipient by phone number, through Contacts</a:t>
-            </a:r>
-          </a:p>
-          <a:p>
-            <a:r>
-              <a:rPr lang="en-US" dirty="0" smtClean="0"/>
-              <a:t>always use the users current </a:t>
-            </a:r>
-            <a:r>
-              <a:rPr lang="en-US" dirty="0" err="1" smtClean="0"/>
-              <a:t>gps</a:t>
-            </a:r>
-            <a:r>
-              <a:rPr lang="en-US" dirty="0" smtClean="0"/>
-              <a:t> location as the start point</a:t>
-            </a:r>
-          </a:p>
-          <a:p>
-            <a:r>
-              <a:rPr lang="en-US" dirty="0" smtClean="0"/>
-              <a:t>allow the user to specify an End location, by address</a:t>
+              <a:t>Allow </a:t>
+            </a:r>
+            <a:r>
+              <a:rPr lang="en-US" dirty="0" smtClean="0"/>
+              <a:t>the user to specify a recipient by phone number, through Contacts</a:t>
+            </a:r>
+          </a:p>
+          <a:p>
+            <a:r>
+              <a:rPr lang="en-US" dirty="0" smtClean="0"/>
+              <a:t>Always </a:t>
+            </a:r>
+            <a:r>
+              <a:rPr lang="en-US" dirty="0" smtClean="0"/>
+              <a:t>use the users current </a:t>
+            </a:r>
+            <a:r>
+              <a:rPr lang="en-US" dirty="0" smtClean="0"/>
+              <a:t>GPS location </a:t>
+            </a:r>
+            <a:r>
+              <a:rPr lang="en-US" dirty="0" smtClean="0"/>
+              <a:t>as the start point</a:t>
+            </a:r>
+          </a:p>
+          <a:p>
+            <a:r>
+              <a:rPr lang="en-US" dirty="0" smtClean="0"/>
+              <a:t>Allow </a:t>
+            </a:r>
+            <a:r>
+              <a:rPr lang="en-US" dirty="0" smtClean="0"/>
+              <a:t>the user to specify an End location, by address</a:t>
             </a:r>
           </a:p>
           <a:p>
@@ -5822,6 +6222,13 @@
   <p:clrMapOvr>
     <a:masterClrMapping/>
   </p:clrMapOvr>
+  <p:timing>
+    <p:tnLst>
+      <p:par>
+        <p:cTn id="1" dur="indefinite" restart="never" nodeType="tmRoot"/>
+      </p:par>
+    </p:tnLst>
+  </p:timing>
 </p:sld>
 </file>
 
@@ -5964,6 +6371,13 @@
   <p:clrMapOvr>
     <a:masterClrMapping/>
   </p:clrMapOvr>
+  <p:timing>
+    <p:tnLst>
+      <p:par>
+        <p:cTn id="1" dur="indefinite" restart="never" nodeType="tmRoot"/>
+      </p:par>
+    </p:tnLst>
+  </p:timing>
 </p:sld>
 </file>
 
@@ -6137,6 +6551,13 @@
   <p:clrMapOvr>
     <a:masterClrMapping/>
   </p:clrMapOvr>
+  <p:timing>
+    <p:tnLst>
+      <p:par>
+        <p:cTn id="1" dur="indefinite" restart="never" nodeType="tmRoot"/>
+      </p:par>
+    </p:tnLst>
+  </p:timing>
 </p:sld>
 </file>
 
@@ -6318,6 +6739,13 @@
   <p:clrMapOvr>
     <a:masterClrMapping/>
   </p:clrMapOvr>
+  <p:timing>
+    <p:tnLst>
+      <p:par>
+        <p:cTn id="1" dur="indefinite" restart="never" nodeType="tmRoot"/>
+      </p:par>
+    </p:tnLst>
+  </p:timing>
 </p:sld>
 </file>
 
